--- a/StaticVsDynamic.pptx
+++ b/StaticVsDynamic.pptx
@@ -6,20 +6,22 @@
   </p:sldMasterIdLst>
   <p:sldIdLst>
     <p:sldId id="256" r:id="rId2"/>
-    <p:sldId id="271" r:id="rId3"/>
-    <p:sldId id="272" r:id="rId4"/>
-    <p:sldId id="273" r:id="rId5"/>
-    <p:sldId id="258" r:id="rId6"/>
-    <p:sldId id="259" r:id="rId7"/>
-    <p:sldId id="260" r:id="rId8"/>
-    <p:sldId id="261" r:id="rId9"/>
-    <p:sldId id="264" r:id="rId10"/>
-    <p:sldId id="274" r:id="rId11"/>
-    <p:sldId id="275" r:id="rId12"/>
-    <p:sldId id="265" r:id="rId13"/>
-    <p:sldId id="266" r:id="rId14"/>
-    <p:sldId id="268" r:id="rId15"/>
-    <p:sldId id="269" r:id="rId16"/>
+    <p:sldId id="258" r:id="rId3"/>
+    <p:sldId id="276" r:id="rId4"/>
+    <p:sldId id="259" r:id="rId5"/>
+    <p:sldId id="277" r:id="rId6"/>
+    <p:sldId id="278" r:id="rId7"/>
+    <p:sldId id="279" r:id="rId8"/>
+    <p:sldId id="260" r:id="rId9"/>
+    <p:sldId id="271" r:id="rId10"/>
+    <p:sldId id="261" r:id="rId11"/>
+    <p:sldId id="264" r:id="rId12"/>
+    <p:sldId id="274" r:id="rId13"/>
+    <p:sldId id="275" r:id="rId14"/>
+    <p:sldId id="265" r:id="rId15"/>
+    <p:sldId id="266" r:id="rId16"/>
+    <p:sldId id="268" r:id="rId17"/>
+    <p:sldId id="269" r:id="rId18"/>
   </p:sldIdLst>
   <p:sldSz cx="12192000" cy="6858000"/>
   <p:notesSz cx="6858000" cy="9144000"/>
@@ -257,7 +259,7 @@
           <a:p>
             <a:fld id="{67D4902D-3F9D-46DE-94C4-1165B3867D33}" type="datetimeFigureOut">
               <a:rPr lang="en-GB" smtClean="0"/>
-              <a:t>02/01/2018</a:t>
+              <a:t>03/01/2018</a:t>
             </a:fld>
             <a:endParaRPr lang="en-GB"/>
           </a:p>
@@ -427,7 +429,7 @@
           <a:p>
             <a:fld id="{67D4902D-3F9D-46DE-94C4-1165B3867D33}" type="datetimeFigureOut">
               <a:rPr lang="en-GB" smtClean="0"/>
-              <a:t>02/01/2018</a:t>
+              <a:t>03/01/2018</a:t>
             </a:fld>
             <a:endParaRPr lang="en-GB"/>
           </a:p>
@@ -607,7 +609,7 @@
           <a:p>
             <a:fld id="{67D4902D-3F9D-46DE-94C4-1165B3867D33}" type="datetimeFigureOut">
               <a:rPr lang="en-GB" smtClean="0"/>
-              <a:t>02/01/2018</a:t>
+              <a:t>03/01/2018</a:t>
             </a:fld>
             <a:endParaRPr lang="en-GB"/>
           </a:p>
@@ -777,7 +779,7 @@
           <a:p>
             <a:fld id="{67D4902D-3F9D-46DE-94C4-1165B3867D33}" type="datetimeFigureOut">
               <a:rPr lang="en-GB" smtClean="0"/>
-              <a:t>02/01/2018</a:t>
+              <a:t>03/01/2018</a:t>
             </a:fld>
             <a:endParaRPr lang="en-GB"/>
           </a:p>
@@ -1023,7 +1025,7 @@
           <a:p>
             <a:fld id="{67D4902D-3F9D-46DE-94C4-1165B3867D33}" type="datetimeFigureOut">
               <a:rPr lang="en-GB" smtClean="0"/>
-              <a:t>02/01/2018</a:t>
+              <a:t>03/01/2018</a:t>
             </a:fld>
             <a:endParaRPr lang="en-GB"/>
           </a:p>
@@ -1255,7 +1257,7 @@
           <a:p>
             <a:fld id="{67D4902D-3F9D-46DE-94C4-1165B3867D33}" type="datetimeFigureOut">
               <a:rPr lang="en-GB" smtClean="0"/>
-              <a:t>02/01/2018</a:t>
+              <a:t>03/01/2018</a:t>
             </a:fld>
             <a:endParaRPr lang="en-GB"/>
           </a:p>
@@ -1622,7 +1624,7 @@
           <a:p>
             <a:fld id="{67D4902D-3F9D-46DE-94C4-1165B3867D33}" type="datetimeFigureOut">
               <a:rPr lang="en-GB" smtClean="0"/>
-              <a:t>02/01/2018</a:t>
+              <a:t>03/01/2018</a:t>
             </a:fld>
             <a:endParaRPr lang="en-GB"/>
           </a:p>
@@ -1740,7 +1742,7 @@
           <a:p>
             <a:fld id="{67D4902D-3F9D-46DE-94C4-1165B3867D33}" type="datetimeFigureOut">
               <a:rPr lang="en-GB" smtClean="0"/>
-              <a:t>02/01/2018</a:t>
+              <a:t>03/01/2018</a:t>
             </a:fld>
             <a:endParaRPr lang="en-GB"/>
           </a:p>
@@ -1835,7 +1837,7 @@
           <a:p>
             <a:fld id="{67D4902D-3F9D-46DE-94C4-1165B3867D33}" type="datetimeFigureOut">
               <a:rPr lang="en-GB" smtClean="0"/>
-              <a:t>02/01/2018</a:t>
+              <a:t>03/01/2018</a:t>
             </a:fld>
             <a:endParaRPr lang="en-GB"/>
           </a:p>
@@ -2112,7 +2114,7 @@
           <a:p>
             <a:fld id="{67D4902D-3F9D-46DE-94C4-1165B3867D33}" type="datetimeFigureOut">
               <a:rPr lang="en-GB" smtClean="0"/>
-              <a:t>02/01/2018</a:t>
+              <a:t>03/01/2018</a:t>
             </a:fld>
             <a:endParaRPr lang="en-GB"/>
           </a:p>
@@ -2365,7 +2367,7 @@
           <a:p>
             <a:fld id="{67D4902D-3F9D-46DE-94C4-1165B3867D33}" type="datetimeFigureOut">
               <a:rPr lang="en-GB" smtClean="0"/>
-              <a:t>02/01/2018</a:t>
+              <a:t>03/01/2018</a:t>
             </a:fld>
             <a:endParaRPr lang="en-GB"/>
           </a:p>
@@ -2578,7 +2580,7 @@
           <a:p>
             <a:fld id="{67D4902D-3F9D-46DE-94C4-1165B3867D33}" type="datetimeFigureOut">
               <a:rPr lang="en-GB" smtClean="0"/>
-              <a:t>02/01/2018</a:t>
+              <a:t>03/01/2018</a:t>
             </a:fld>
             <a:endParaRPr lang="en-GB"/>
           </a:p>
@@ -3272,1486 +3274,6 @@
           <a:p>
             <a:r>
               <a:rPr lang="en-GB" dirty="0" smtClean="0"/>
-              <a:t>The Problem: Bowling</a:t>
-            </a:r>
-            <a:endParaRPr lang="en-GB" dirty="0"/>
-          </a:p>
-        </p:txBody>
-      </p:sp>
-      <p:sp>
-        <p:nvSpPr>
-          <p:cNvPr id="3" name="Content Placeholder 2"/>
-          <p:cNvSpPr>
-            <a:spLocks noGrp="1"/>
-          </p:cNvSpPr>
-          <p:nvPr>
-            <p:ph idx="1"/>
-          </p:nvPr>
-        </p:nvSpPr>
-        <p:spPr>
-          <a:xfrm>
-            <a:off x="838200" y="1458097"/>
-            <a:ext cx="10515600" cy="4718866"/>
-          </a:xfrm>
-        </p:spPr>
-        <p:txBody>
-          <a:bodyPr>
-            <a:normAutofit fontScale="55000" lnSpcReduction="20000"/>
-          </a:bodyPr>
-          <a:lstStyle/>
-          <a:p>
-            <a:pPr marL="0" indent="0">
-              <a:buNone/>
-            </a:pPr>
-            <a:r>
-              <a:rPr lang="en-GB" sz="3500" b="1" dirty="0" smtClean="0"/>
-              <a:t>Examples</a:t>
-            </a:r>
-          </a:p>
-          <a:p>
-            <a:pPr marL="0" indent="0">
-              <a:buNone/>
-            </a:pPr>
-            <a:endParaRPr lang="en-GB" dirty="0" smtClean="0"/>
-          </a:p>
-          <a:p>
-            <a:pPr marL="0" indent="0">
-              <a:buNone/>
-            </a:pPr>
-            <a:r>
-              <a:rPr lang="en-GB" dirty="0" smtClean="0"/>
-              <a:t>Frame 1: [3,5] </a:t>
-            </a:r>
-            <a:r>
-              <a:rPr lang="en-GB" dirty="0" smtClean="0">
-                <a:solidFill>
-                  <a:srgbClr val="FF0000"/>
-                </a:solidFill>
-              </a:rPr>
-              <a:t>8</a:t>
-            </a:r>
-          </a:p>
-          <a:p>
-            <a:pPr marL="0" indent="0">
-              <a:buNone/>
-            </a:pPr>
-            <a:r>
-              <a:rPr lang="en-GB" dirty="0" smtClean="0"/>
-              <a:t>Frame 2: [2,4] </a:t>
-            </a:r>
-            <a:r>
-              <a:rPr lang="en-GB" dirty="0" smtClean="0">
-                <a:solidFill>
-                  <a:srgbClr val="FF0000"/>
-                </a:solidFill>
-              </a:rPr>
-              <a:t>6</a:t>
-            </a:r>
-          </a:p>
-          <a:p>
-            <a:pPr marL="0" indent="0">
-              <a:buNone/>
-            </a:pPr>
-            <a:r>
-              <a:rPr lang="en-GB" dirty="0" smtClean="0"/>
-              <a:t>Score: 14</a:t>
-            </a:r>
-          </a:p>
-          <a:p>
-            <a:pPr marL="0" indent="0">
-              <a:buNone/>
-            </a:pPr>
-            <a:endParaRPr lang="en-GB" dirty="0" smtClean="0"/>
-          </a:p>
-          <a:p>
-            <a:pPr marL="0" indent="0">
-              <a:buNone/>
-            </a:pPr>
-            <a:r>
-              <a:rPr lang="en-GB" dirty="0"/>
-              <a:t>Frame 1: [10,-] </a:t>
-            </a:r>
-            <a:r>
-              <a:rPr lang="en-GB" dirty="0" smtClean="0"/>
-              <a:t> </a:t>
-            </a:r>
-            <a:r>
-              <a:rPr lang="en-GB" dirty="0" smtClean="0">
-                <a:solidFill>
-                  <a:srgbClr val="FF0000"/>
-                </a:solidFill>
-              </a:rPr>
-              <a:t>13</a:t>
-            </a:r>
-          </a:p>
-          <a:p>
-            <a:pPr marL="0" indent="0">
-              <a:buNone/>
-            </a:pPr>
-            <a:r>
-              <a:rPr lang="en-GB" dirty="0" smtClean="0"/>
-              <a:t>Frame </a:t>
-            </a:r>
-            <a:r>
-              <a:rPr lang="en-GB" dirty="0"/>
-              <a:t>2: [</a:t>
-            </a:r>
-            <a:r>
-              <a:rPr lang="en-GB" dirty="0" smtClean="0"/>
-              <a:t>2,1] </a:t>
-            </a:r>
-            <a:r>
-              <a:rPr lang="en-GB" dirty="0" smtClean="0">
-                <a:solidFill>
-                  <a:srgbClr val="FF0000"/>
-                </a:solidFill>
-              </a:rPr>
-              <a:t>3</a:t>
-            </a:r>
-            <a:endParaRPr lang="en-GB" dirty="0">
-              <a:solidFill>
-                <a:srgbClr val="FF0000"/>
-              </a:solidFill>
-            </a:endParaRPr>
-          </a:p>
-          <a:p>
-            <a:pPr marL="0" indent="0">
-              <a:buNone/>
-            </a:pPr>
-            <a:r>
-              <a:rPr lang="en-GB" dirty="0"/>
-              <a:t>Score: </a:t>
-            </a:r>
-            <a:r>
-              <a:rPr lang="en-GB" dirty="0" smtClean="0"/>
-              <a:t>16</a:t>
-            </a:r>
-          </a:p>
-          <a:p>
-            <a:pPr marL="0" indent="0">
-              <a:buNone/>
-            </a:pPr>
-            <a:endParaRPr lang="en-GB" dirty="0"/>
-          </a:p>
-          <a:p>
-            <a:pPr marL="0" indent="0">
-              <a:buNone/>
-            </a:pPr>
-            <a:r>
-              <a:rPr lang="en-GB" dirty="0"/>
-              <a:t>Frame 1: </a:t>
-            </a:r>
-            <a:r>
-              <a:rPr lang="en-GB" dirty="0" smtClean="0"/>
-              <a:t>[5,5] </a:t>
-            </a:r>
-            <a:r>
-              <a:rPr lang="en-GB" dirty="0" smtClean="0">
-                <a:solidFill>
-                  <a:srgbClr val="FF0000"/>
-                </a:solidFill>
-              </a:rPr>
-              <a:t>16</a:t>
-            </a:r>
-            <a:endParaRPr lang="en-GB" dirty="0">
-              <a:solidFill>
-                <a:srgbClr val="FF0000"/>
-              </a:solidFill>
-            </a:endParaRPr>
-          </a:p>
-          <a:p>
-            <a:pPr marL="0" indent="0">
-              <a:buNone/>
-            </a:pPr>
-            <a:r>
-              <a:rPr lang="en-GB" dirty="0"/>
-              <a:t>Frame 2: </a:t>
-            </a:r>
-            <a:r>
-              <a:rPr lang="en-GB" dirty="0" smtClean="0"/>
-              <a:t>[6,3] </a:t>
-            </a:r>
-            <a:r>
-              <a:rPr lang="en-GB" dirty="0" smtClean="0">
-                <a:solidFill>
-                  <a:srgbClr val="FF0000"/>
-                </a:solidFill>
-              </a:rPr>
-              <a:t>9</a:t>
-            </a:r>
-            <a:endParaRPr lang="en-GB" dirty="0">
-              <a:solidFill>
-                <a:srgbClr val="FF0000"/>
-              </a:solidFill>
-            </a:endParaRPr>
-          </a:p>
-          <a:p>
-            <a:pPr marL="0" indent="0">
-              <a:buNone/>
-            </a:pPr>
-            <a:r>
-              <a:rPr lang="en-GB" dirty="0"/>
-              <a:t>Score: </a:t>
-            </a:r>
-            <a:r>
-              <a:rPr lang="en-GB" dirty="0" smtClean="0"/>
-              <a:t>25</a:t>
-            </a:r>
-          </a:p>
-          <a:p>
-            <a:pPr marL="0" indent="0">
-              <a:buNone/>
-            </a:pPr>
-            <a:endParaRPr lang="en-GB" dirty="0"/>
-          </a:p>
-          <a:p>
-            <a:pPr marL="0" indent="0">
-              <a:buNone/>
-            </a:pPr>
-            <a:r>
-              <a:rPr lang="en-GB" dirty="0" smtClean="0"/>
-              <a:t>Frames: [10,-] </a:t>
-            </a:r>
-            <a:r>
-              <a:rPr lang="en-GB" dirty="0"/>
-              <a:t>[10,-] [10,-] [10,-] [10,-] [10,-] [10,-] [10,-] [10,-] [10,-] </a:t>
-            </a:r>
-            <a:r>
-              <a:rPr lang="en-GB" dirty="0" smtClean="0"/>
-              <a:t>10 10</a:t>
-            </a:r>
-            <a:r>
-              <a:rPr lang="en-GB" dirty="0" smtClean="0">
-                <a:solidFill>
-                  <a:srgbClr val="FF0000"/>
-                </a:solidFill>
-              </a:rPr>
-              <a:t> &lt;- extra balls to calculate Frame 10 score</a:t>
-            </a:r>
-          </a:p>
-          <a:p>
-            <a:pPr marL="0" indent="0">
-              <a:buNone/>
-            </a:pPr>
-            <a:r>
-              <a:rPr lang="en-GB" dirty="0" smtClean="0"/>
-              <a:t>Score: 300</a:t>
-            </a:r>
-            <a:endParaRPr lang="en-GB" dirty="0"/>
-          </a:p>
-          <a:p>
-            <a:pPr marL="0" indent="0">
-              <a:buNone/>
-            </a:pPr>
-            <a:endParaRPr lang="en-GB" dirty="0"/>
-          </a:p>
-          <a:p>
-            <a:pPr marL="0" indent="0">
-              <a:buNone/>
-            </a:pPr>
-            <a:endParaRPr lang="en-GB" dirty="0" smtClean="0"/>
-          </a:p>
-          <a:p>
-            <a:pPr marL="0" indent="0">
-              <a:buNone/>
-            </a:pPr>
-            <a:endParaRPr lang="en-GB" dirty="0" smtClean="0"/>
-          </a:p>
-          <a:p>
-            <a:pPr marL="0" indent="0">
-              <a:buNone/>
-            </a:pPr>
-            <a:endParaRPr lang="en-GB" dirty="0"/>
-          </a:p>
-        </p:txBody>
-      </p:sp>
-    </p:spTree>
-    <p:extLst>
-      <p:ext uri="{BB962C8B-B14F-4D97-AF65-F5344CB8AC3E}">
-        <p14:creationId xmlns:p14="http://schemas.microsoft.com/office/powerpoint/2010/main" val="913249560"/>
-      </p:ext>
-    </p:extLst>
-  </p:cSld>
-  <p:clrMapOvr>
-    <a:masterClrMapping/>
-  </p:clrMapOvr>
-  <p:timing>
-    <p:tnLst>
-      <p:par>
-        <p:cTn id="1" dur="indefinite" restart="never" nodeType="tmRoot"/>
-      </p:par>
-    </p:tnLst>
-  </p:timing>
-</p:sld>
-</file>
-
-<file path=ppt/slides/slide11.xml><?xml version="1.0" encoding="utf-8"?>
-<p:sld xmlns:a="http://schemas.openxmlformats.org/drawingml/2006/main" xmlns:r="http://schemas.openxmlformats.org/officeDocument/2006/relationships" xmlns:p="http://schemas.openxmlformats.org/presentationml/2006/main">
-  <p:cSld>
-    <p:spTree>
-      <p:nvGrpSpPr>
-        <p:cNvPr id="1" name=""/>
-        <p:cNvGrpSpPr/>
-        <p:nvPr/>
-      </p:nvGrpSpPr>
-      <p:grpSpPr>
-        <a:xfrm>
-          <a:off x="0" y="0"/>
-          <a:ext cx="0" cy="0"/>
-          <a:chOff x="0" y="0"/>
-          <a:chExt cx="0" cy="0"/>
-        </a:xfrm>
-      </p:grpSpPr>
-      <p:sp>
-        <p:nvSpPr>
-          <p:cNvPr id="2" name="Title 1"/>
-          <p:cNvSpPr>
-            <a:spLocks noGrp="1"/>
-          </p:cNvSpPr>
-          <p:nvPr>
-            <p:ph type="title"/>
-          </p:nvPr>
-        </p:nvSpPr>
-        <p:spPr/>
-        <p:txBody>
-          <a:bodyPr/>
-          <a:lstStyle/>
-          <a:p>
-            <a:r>
-              <a:rPr lang="en-GB" dirty="0" smtClean="0"/>
-              <a:t>The Problem: Bowling</a:t>
-            </a:r>
-            <a:endParaRPr lang="en-GB" dirty="0"/>
-          </a:p>
-        </p:txBody>
-      </p:sp>
-      <p:sp>
-        <p:nvSpPr>
-          <p:cNvPr id="3" name="Content Placeholder 2"/>
-          <p:cNvSpPr>
-            <a:spLocks noGrp="1"/>
-          </p:cNvSpPr>
-          <p:nvPr>
-            <p:ph idx="1"/>
-          </p:nvPr>
-        </p:nvSpPr>
-        <p:spPr>
-          <a:xfrm>
-            <a:off x="838200" y="1690687"/>
-            <a:ext cx="10515600" cy="4486275"/>
-          </a:xfrm>
-        </p:spPr>
-        <p:txBody>
-          <a:bodyPr>
-            <a:normAutofit/>
-          </a:bodyPr>
-          <a:lstStyle/>
-          <a:p>
-            <a:pPr marL="0" indent="0">
-              <a:buNone/>
-            </a:pPr>
-            <a:r>
-              <a:rPr lang="en-GB" dirty="0" smtClean="0"/>
-              <a:t>Write a program which takes a partial or full set of frames and calculates the score.</a:t>
-            </a:r>
-          </a:p>
-          <a:p>
-            <a:r>
-              <a:rPr lang="en-GB" dirty="0" smtClean="0"/>
-              <a:t>Input will always be full frames (+ bonus balls if needed)</a:t>
-            </a:r>
-          </a:p>
-          <a:p>
-            <a:r>
-              <a:rPr lang="en-GB" dirty="0" smtClean="0"/>
-              <a:t>Assume input always valid</a:t>
-            </a:r>
-          </a:p>
-          <a:p>
-            <a:r>
-              <a:rPr lang="en-GB" dirty="0" smtClean="0"/>
-              <a:t>Input will be no more than one game*</a:t>
-            </a:r>
-          </a:p>
-          <a:p>
-            <a:r>
-              <a:rPr lang="en-GB" dirty="0" smtClean="0"/>
-              <a:t>Input format is up to you</a:t>
-            </a:r>
-          </a:p>
-          <a:p>
-            <a:r>
-              <a:rPr lang="en-GB" dirty="0" smtClean="0"/>
-              <a:t>Prepare to accept different inputs during scoring</a:t>
-            </a:r>
-            <a:endParaRPr lang="en-GB" sz="2000" dirty="0"/>
-          </a:p>
-          <a:p>
-            <a:pPr marL="0" indent="0">
-              <a:buNone/>
-            </a:pPr>
-            <a:endParaRPr lang="en-GB" dirty="0" smtClean="0"/>
-          </a:p>
-          <a:p>
-            <a:pPr marL="0" indent="0">
-              <a:buNone/>
-            </a:pPr>
-            <a:r>
-              <a:rPr lang="en-GB" sz="2000" dirty="0" smtClean="0"/>
-              <a:t>* Note functional rules RE infinite sequences</a:t>
-            </a:r>
-          </a:p>
-          <a:p>
-            <a:pPr marL="0" indent="0">
-              <a:buNone/>
-            </a:pPr>
-            <a:endParaRPr lang="en-GB" dirty="0"/>
-          </a:p>
-        </p:txBody>
-      </p:sp>
-    </p:spTree>
-    <p:extLst>
-      <p:ext uri="{BB962C8B-B14F-4D97-AF65-F5344CB8AC3E}">
-        <p14:creationId xmlns:p14="http://schemas.microsoft.com/office/powerpoint/2010/main" val="169929603"/>
-      </p:ext>
-    </p:extLst>
-  </p:cSld>
-  <p:clrMapOvr>
-    <a:masterClrMapping/>
-  </p:clrMapOvr>
-  <p:timing>
-    <p:tnLst>
-      <p:par>
-        <p:cTn id="1" dur="indefinite" restart="never" nodeType="tmRoot"/>
-      </p:par>
-    </p:tnLst>
-  </p:timing>
-</p:sld>
-</file>
-
-<file path=ppt/slides/slide12.xml><?xml version="1.0" encoding="utf-8"?>
-<p:sld xmlns:a="http://schemas.openxmlformats.org/drawingml/2006/main" xmlns:r="http://schemas.openxmlformats.org/officeDocument/2006/relationships" xmlns:p="http://schemas.openxmlformats.org/presentationml/2006/main">
-  <p:cSld>
-    <p:spTree>
-      <p:nvGrpSpPr>
-        <p:cNvPr id="1" name=""/>
-        <p:cNvGrpSpPr/>
-        <p:nvPr/>
-      </p:nvGrpSpPr>
-      <p:grpSpPr>
-        <a:xfrm>
-          <a:off x="0" y="0"/>
-          <a:ext cx="0" cy="0"/>
-          <a:chOff x="0" y="0"/>
-          <a:chExt cx="0" cy="0"/>
-        </a:xfrm>
-      </p:grpSpPr>
-      <p:sp>
-        <p:nvSpPr>
-          <p:cNvPr id="2" name="Title 1"/>
-          <p:cNvSpPr>
-            <a:spLocks noGrp="1"/>
-          </p:cNvSpPr>
-          <p:nvPr>
-            <p:ph type="title"/>
-          </p:nvPr>
-        </p:nvSpPr>
-        <p:spPr>
-          <a:xfrm>
-            <a:off x="838200" y="120426"/>
-            <a:ext cx="10515600" cy="819731"/>
-          </a:xfrm>
-        </p:spPr>
-        <p:txBody>
-          <a:bodyPr/>
-          <a:lstStyle/>
-          <a:p>
-            <a:r>
-              <a:rPr lang="en-GB" dirty="0" smtClean="0"/>
-              <a:t>Go!</a:t>
-            </a:r>
-            <a:endParaRPr lang="en-GB" dirty="0"/>
-          </a:p>
-        </p:txBody>
-      </p:sp>
-      <p:sp>
-        <p:nvSpPr>
-          <p:cNvPr id="3" name="Content Placeholder 2"/>
-          <p:cNvSpPr>
-            <a:spLocks noGrp="1"/>
-          </p:cNvSpPr>
-          <p:nvPr>
-            <p:ph idx="1"/>
-          </p:nvPr>
-        </p:nvSpPr>
-        <p:spPr>
-          <a:xfrm>
-            <a:off x="838200" y="1187292"/>
-            <a:ext cx="10515600" cy="6136783"/>
-          </a:xfrm>
-        </p:spPr>
-        <p:txBody>
-          <a:bodyPr>
-            <a:normAutofit/>
-          </a:bodyPr>
-          <a:lstStyle/>
-          <a:p>
-            <a:pPr marL="0" indent="0">
-              <a:buNone/>
-            </a:pPr>
-            <a:r>
-              <a:rPr lang="en-GB" b="1" dirty="0" smtClean="0"/>
-              <a:t>FAQ</a:t>
-            </a:r>
-          </a:p>
-          <a:p>
-            <a:pPr marL="0" indent="0">
-              <a:buNone/>
-            </a:pPr>
-            <a:endParaRPr lang="en-GB" dirty="0"/>
-          </a:p>
-        </p:txBody>
-      </p:sp>
-    </p:spTree>
-    <p:extLst>
-      <p:ext uri="{BB962C8B-B14F-4D97-AF65-F5344CB8AC3E}">
-        <p14:creationId xmlns:p14="http://schemas.microsoft.com/office/powerpoint/2010/main" val="2687080429"/>
-      </p:ext>
-    </p:extLst>
-  </p:cSld>
-  <p:clrMapOvr>
-    <a:masterClrMapping/>
-  </p:clrMapOvr>
-  <p:timing>
-    <p:tnLst>
-      <p:par>
-        <p:cTn id="1" dur="indefinite" restart="never" nodeType="tmRoot"/>
-      </p:par>
-    </p:tnLst>
-  </p:timing>
-</p:sld>
-</file>
-
-<file path=ppt/slides/slide13.xml><?xml version="1.0" encoding="utf-8"?>
-<p:sld xmlns:a="http://schemas.openxmlformats.org/drawingml/2006/main" xmlns:r="http://schemas.openxmlformats.org/officeDocument/2006/relationships" xmlns:p="http://schemas.openxmlformats.org/presentationml/2006/main">
-  <p:cSld>
-    <p:spTree>
-      <p:nvGrpSpPr>
-        <p:cNvPr id="1" name=""/>
-        <p:cNvGrpSpPr/>
-        <p:nvPr/>
-      </p:nvGrpSpPr>
-      <p:grpSpPr>
-        <a:xfrm>
-          <a:off x="0" y="0"/>
-          <a:ext cx="0" cy="0"/>
-          <a:chOff x="0" y="0"/>
-          <a:chExt cx="0" cy="0"/>
-        </a:xfrm>
-      </p:grpSpPr>
-      <p:sp>
-        <p:nvSpPr>
-          <p:cNvPr id="2" name="Title 1"/>
-          <p:cNvSpPr>
-            <a:spLocks noGrp="1"/>
-          </p:cNvSpPr>
-          <p:nvPr>
-            <p:ph type="title"/>
-          </p:nvPr>
-        </p:nvSpPr>
-        <p:spPr/>
-        <p:txBody>
-          <a:bodyPr/>
-          <a:lstStyle/>
-          <a:p>
-            <a:r>
-              <a:rPr lang="en-GB" dirty="0" smtClean="0"/>
-              <a:t>Scoring the solutions</a:t>
-            </a:r>
-            <a:endParaRPr lang="en-GB" dirty="0"/>
-          </a:p>
-        </p:txBody>
-      </p:sp>
-      <p:sp>
-        <p:nvSpPr>
-          <p:cNvPr id="3" name="Content Placeholder 2"/>
-          <p:cNvSpPr>
-            <a:spLocks noGrp="1"/>
-          </p:cNvSpPr>
-          <p:nvPr>
-            <p:ph idx="1"/>
-          </p:nvPr>
-        </p:nvSpPr>
-        <p:spPr/>
-        <p:txBody>
-          <a:bodyPr>
-            <a:normAutofit/>
-          </a:bodyPr>
-          <a:lstStyle/>
-          <a:p>
-            <a:r>
-              <a:rPr lang="en-GB" dirty="0" smtClean="0"/>
-              <a:t>Swap with a pair in the other group</a:t>
-            </a:r>
-          </a:p>
-          <a:p>
-            <a:r>
-              <a:rPr lang="en-GB" dirty="0" smtClean="0"/>
-              <a:t>Give a mark for each successful test case passed</a:t>
-            </a:r>
-          </a:p>
-          <a:p>
-            <a:r>
-              <a:rPr lang="en-GB" dirty="0" smtClean="0"/>
-              <a:t>Deduct a mark for each case of a broken rule</a:t>
-            </a:r>
-          </a:p>
-          <a:p>
-            <a:pPr lvl="1"/>
-            <a:r>
-              <a:rPr lang="en-GB" dirty="0" smtClean="0"/>
-              <a:t>Any uncertainly, ask a Judge</a:t>
-            </a:r>
-          </a:p>
-          <a:p>
-            <a:r>
-              <a:rPr lang="en-GB" dirty="0" smtClean="0"/>
-              <a:t>Scores will be aggregated</a:t>
-            </a:r>
-          </a:p>
-          <a:p>
-            <a:endParaRPr lang="en-GB" dirty="0"/>
-          </a:p>
-          <a:p>
-            <a:pPr marL="0" indent="0">
-              <a:buNone/>
-            </a:pPr>
-            <a:r>
-              <a:rPr lang="en-GB" dirty="0" smtClean="0"/>
-              <a:t>See handouts for details</a:t>
-            </a:r>
-            <a:endParaRPr lang="en-GB" dirty="0"/>
-          </a:p>
-        </p:txBody>
-      </p:sp>
-    </p:spTree>
-    <p:extLst>
-      <p:ext uri="{BB962C8B-B14F-4D97-AF65-F5344CB8AC3E}">
-        <p14:creationId xmlns:p14="http://schemas.microsoft.com/office/powerpoint/2010/main" val="1627186506"/>
-      </p:ext>
-    </p:extLst>
-  </p:cSld>
-  <p:clrMapOvr>
-    <a:masterClrMapping/>
-  </p:clrMapOvr>
-  <p:timing>
-    <p:tnLst>
-      <p:par>
-        <p:cTn id="1" dur="indefinite" restart="never" nodeType="tmRoot"/>
-      </p:par>
-    </p:tnLst>
-  </p:timing>
-</p:sld>
-</file>
-
-<file path=ppt/slides/slide14.xml><?xml version="1.0" encoding="utf-8"?>
-<p:sld xmlns:a="http://schemas.openxmlformats.org/drawingml/2006/main" xmlns:r="http://schemas.openxmlformats.org/officeDocument/2006/relationships" xmlns:p="http://schemas.openxmlformats.org/presentationml/2006/main">
-  <p:cSld>
-    <p:spTree>
-      <p:nvGrpSpPr>
-        <p:cNvPr id="1" name=""/>
-        <p:cNvGrpSpPr/>
-        <p:nvPr/>
-      </p:nvGrpSpPr>
-      <p:grpSpPr>
-        <a:xfrm>
-          <a:off x="0" y="0"/>
-          <a:ext cx="0" cy="0"/>
-          <a:chOff x="0" y="0"/>
-          <a:chExt cx="0" cy="0"/>
-        </a:xfrm>
-      </p:grpSpPr>
-      <p:pic>
-        <p:nvPicPr>
-          <p:cNvPr id="5" name="Picture 4"/>
-          <p:cNvPicPr>
-            <a:picLocks noChangeAspect="1"/>
-          </p:cNvPicPr>
-          <p:nvPr/>
-        </p:nvPicPr>
-        <p:blipFill>
-          <a:blip r:embed="rId2"/>
-          <a:stretch>
-            <a:fillRect/>
-          </a:stretch>
-        </p:blipFill>
-        <p:spPr>
-          <a:xfrm>
-            <a:off x="1" y="-638743"/>
-            <a:ext cx="12192000" cy="8135485"/>
-          </a:xfrm>
-          <a:prstGeom prst="rect">
-            <a:avLst/>
-          </a:prstGeom>
-        </p:spPr>
-      </p:pic>
-    </p:spTree>
-    <p:extLst>
-      <p:ext uri="{BB962C8B-B14F-4D97-AF65-F5344CB8AC3E}">
-        <p14:creationId xmlns:p14="http://schemas.microsoft.com/office/powerpoint/2010/main" val="3239436069"/>
-      </p:ext>
-    </p:extLst>
-  </p:cSld>
-  <p:clrMapOvr>
-    <a:masterClrMapping/>
-  </p:clrMapOvr>
-  <p:timing>
-    <p:tnLst>
-      <p:par>
-        <p:cTn id="1" dur="indefinite" restart="never" nodeType="tmRoot"/>
-      </p:par>
-    </p:tnLst>
-  </p:timing>
-</p:sld>
-</file>
-
-<file path=ppt/slides/slide15.xml><?xml version="1.0" encoding="utf-8"?>
-<p:sld xmlns:a="http://schemas.openxmlformats.org/drawingml/2006/main" xmlns:r="http://schemas.openxmlformats.org/officeDocument/2006/relationships" xmlns:p="http://schemas.openxmlformats.org/presentationml/2006/main">
-  <p:cSld>
-    <p:spTree>
-      <p:nvGrpSpPr>
-        <p:cNvPr id="1" name=""/>
-        <p:cNvGrpSpPr/>
-        <p:nvPr/>
-      </p:nvGrpSpPr>
-      <p:grpSpPr>
-        <a:xfrm>
-          <a:off x="0" y="0"/>
-          <a:ext cx="0" cy="0"/>
-          <a:chOff x="0" y="0"/>
-          <a:chExt cx="0" cy="0"/>
-        </a:xfrm>
-      </p:grpSpPr>
-      <p:sp>
-        <p:nvSpPr>
-          <p:cNvPr id="2" name="Title 1"/>
-          <p:cNvSpPr>
-            <a:spLocks noGrp="1"/>
-          </p:cNvSpPr>
-          <p:nvPr>
-            <p:ph type="title"/>
-          </p:nvPr>
-        </p:nvSpPr>
-        <p:spPr/>
-        <p:txBody>
-          <a:bodyPr/>
-          <a:lstStyle/>
-          <a:p>
-            <a:r>
-              <a:rPr lang="en-GB" dirty="0" smtClean="0"/>
-              <a:t>Remember!</a:t>
-            </a:r>
-            <a:endParaRPr lang="en-GB" dirty="0"/>
-          </a:p>
-        </p:txBody>
-      </p:sp>
-      <p:sp>
-        <p:nvSpPr>
-          <p:cNvPr id="3" name="Content Placeholder 2"/>
-          <p:cNvSpPr>
-            <a:spLocks noGrp="1"/>
-          </p:cNvSpPr>
-          <p:nvPr>
-            <p:ph idx="1"/>
-          </p:nvPr>
-        </p:nvSpPr>
-        <p:spPr/>
-        <p:txBody>
-          <a:bodyPr>
-            <a:normAutofit/>
-          </a:bodyPr>
-          <a:lstStyle/>
-          <a:p>
-            <a:pPr marL="0" indent="0">
-              <a:buNone/>
-            </a:pPr>
-            <a:r>
-              <a:rPr lang="en-GB" b="1" dirty="0" smtClean="0"/>
-              <a:t>Put your solutions here:</a:t>
-            </a:r>
-          </a:p>
-          <a:p>
-            <a:pPr marL="0" indent="0">
-              <a:buNone/>
-            </a:pPr>
-            <a:r>
-              <a:rPr lang="en-GB" dirty="0"/>
-              <a:t>https://github.com/LeedsCodeDojo/StaticVsDynamic</a:t>
-            </a:r>
-            <a:endParaRPr lang="en-GB" dirty="0" smtClean="0"/>
-          </a:p>
-          <a:p>
-            <a:pPr marL="0" indent="0">
-              <a:buNone/>
-            </a:pPr>
-            <a:endParaRPr lang="en-GB" dirty="0"/>
-          </a:p>
-          <a:p>
-            <a:pPr marL="0" indent="0">
-              <a:buNone/>
-            </a:pPr>
-            <a:r>
-              <a:rPr lang="en-GB" b="1" dirty="0" smtClean="0"/>
-              <a:t>Next Dojo:</a:t>
-            </a:r>
-          </a:p>
-          <a:p>
-            <a:pPr marL="0" indent="0">
-              <a:buNone/>
-            </a:pPr>
-            <a:r>
-              <a:rPr lang="en-GB" dirty="0" smtClean="0"/>
-              <a:t>Wednesday 7</a:t>
-            </a:r>
-            <a:r>
-              <a:rPr lang="en-GB" baseline="30000" dirty="0" smtClean="0"/>
-              <a:t>th</a:t>
-            </a:r>
-            <a:r>
-              <a:rPr lang="en-GB" dirty="0" smtClean="0"/>
-              <a:t> Feb - TBD</a:t>
-            </a:r>
-          </a:p>
-        </p:txBody>
-      </p:sp>
-    </p:spTree>
-    <p:extLst>
-      <p:ext uri="{BB962C8B-B14F-4D97-AF65-F5344CB8AC3E}">
-        <p14:creationId xmlns:p14="http://schemas.microsoft.com/office/powerpoint/2010/main" val="4021488857"/>
-      </p:ext>
-    </p:extLst>
-  </p:cSld>
-  <p:clrMapOvr>
-    <a:masterClrMapping/>
-  </p:clrMapOvr>
-  <p:timing>
-    <p:tnLst>
-      <p:par>
-        <p:cTn id="1" dur="indefinite" restart="never" nodeType="tmRoot"/>
-      </p:par>
-    </p:tnLst>
-  </p:timing>
-</p:sld>
-</file>
-
-<file path=ppt/slides/slide2.xml><?xml version="1.0" encoding="utf-8"?>
-<p:sld xmlns:a="http://schemas.openxmlformats.org/drawingml/2006/main" xmlns:r="http://schemas.openxmlformats.org/officeDocument/2006/relationships" xmlns:p="http://schemas.openxmlformats.org/presentationml/2006/main">
-  <p:cSld>
-    <p:spTree>
-      <p:nvGrpSpPr>
-        <p:cNvPr id="1" name=""/>
-        <p:cNvGrpSpPr/>
-        <p:nvPr/>
-      </p:nvGrpSpPr>
-      <p:grpSpPr>
-        <a:xfrm>
-          <a:off x="0" y="0"/>
-          <a:ext cx="0" cy="0"/>
-          <a:chOff x="0" y="0"/>
-          <a:chExt cx="0" cy="0"/>
-        </a:xfrm>
-      </p:grpSpPr>
-      <p:pic>
-        <p:nvPicPr>
-          <p:cNvPr id="6" name="Picture 5"/>
-          <p:cNvPicPr>
-            <a:picLocks noChangeAspect="1"/>
-          </p:cNvPicPr>
-          <p:nvPr/>
-        </p:nvPicPr>
-        <p:blipFill>
-          <a:blip r:embed="rId2">
-            <a:extLst>
-              <a:ext uri="{28A0092B-C50C-407E-A947-70E740481C1C}">
-                <a14:useLocalDpi xmlns:a14="http://schemas.microsoft.com/office/drawing/2010/main" val="0"/>
-              </a:ext>
-            </a:extLst>
-          </a:blip>
-          <a:stretch>
-            <a:fillRect/>
-          </a:stretch>
-        </p:blipFill>
-        <p:spPr>
-          <a:xfrm>
-            <a:off x="-1" y="393192"/>
-            <a:ext cx="12192001" cy="6071616"/>
-          </a:xfrm>
-          <a:prstGeom prst="rect">
-            <a:avLst/>
-          </a:prstGeom>
-        </p:spPr>
-      </p:pic>
-    </p:spTree>
-    <p:extLst>
-      <p:ext uri="{BB962C8B-B14F-4D97-AF65-F5344CB8AC3E}">
-        <p14:creationId xmlns:p14="http://schemas.microsoft.com/office/powerpoint/2010/main" val="2121133346"/>
-      </p:ext>
-    </p:extLst>
-  </p:cSld>
-  <p:clrMapOvr>
-    <a:masterClrMapping/>
-  </p:clrMapOvr>
-  <p:timing>
-    <p:tnLst>
-      <p:par>
-        <p:cTn id="1" dur="indefinite" restart="never" nodeType="tmRoot"/>
-      </p:par>
-    </p:tnLst>
-  </p:timing>
-</p:sld>
-</file>
-
-<file path=ppt/slides/slide3.xml><?xml version="1.0" encoding="utf-8"?>
-<p:sld xmlns:a="http://schemas.openxmlformats.org/drawingml/2006/main" xmlns:r="http://schemas.openxmlformats.org/officeDocument/2006/relationships" xmlns:p="http://schemas.openxmlformats.org/presentationml/2006/main">
-  <p:cSld>
-    <p:spTree>
-      <p:nvGrpSpPr>
-        <p:cNvPr id="1" name=""/>
-        <p:cNvGrpSpPr/>
-        <p:nvPr/>
-      </p:nvGrpSpPr>
-      <p:grpSpPr>
-        <a:xfrm>
-          <a:off x="0" y="0"/>
-          <a:ext cx="0" cy="0"/>
-          <a:chOff x="0" y="0"/>
-          <a:chExt cx="0" cy="0"/>
-        </a:xfrm>
-      </p:grpSpPr>
-    </p:spTree>
-    <p:extLst>
-      <p:ext uri="{BB962C8B-B14F-4D97-AF65-F5344CB8AC3E}">
-        <p14:creationId xmlns:p14="http://schemas.microsoft.com/office/powerpoint/2010/main" val="2960240113"/>
-      </p:ext>
-    </p:extLst>
-  </p:cSld>
-  <p:clrMapOvr>
-    <a:masterClrMapping/>
-  </p:clrMapOvr>
-</p:sld>
-</file>
-
-<file path=ppt/slides/slide4.xml><?xml version="1.0" encoding="utf-8"?>
-<p:sld xmlns:a="http://schemas.openxmlformats.org/drawingml/2006/main" xmlns:r="http://schemas.openxmlformats.org/officeDocument/2006/relationships" xmlns:p="http://schemas.openxmlformats.org/presentationml/2006/main">
-  <p:cSld>
-    <p:spTree>
-      <p:nvGrpSpPr>
-        <p:cNvPr id="1" name=""/>
-        <p:cNvGrpSpPr/>
-        <p:nvPr/>
-      </p:nvGrpSpPr>
-      <p:grpSpPr>
-        <a:xfrm>
-          <a:off x="0" y="0"/>
-          <a:ext cx="0" cy="0"/>
-          <a:chOff x="0" y="0"/>
-          <a:chExt cx="0" cy="0"/>
-        </a:xfrm>
-      </p:grpSpPr>
-    </p:spTree>
-    <p:extLst>
-      <p:ext uri="{BB962C8B-B14F-4D97-AF65-F5344CB8AC3E}">
-        <p14:creationId xmlns:p14="http://schemas.microsoft.com/office/powerpoint/2010/main" val="1031194939"/>
-      </p:ext>
-    </p:extLst>
-  </p:cSld>
-  <p:clrMapOvr>
-    <a:masterClrMapping/>
-  </p:clrMapOvr>
-</p:sld>
-</file>
-
-<file path=ppt/slides/slide5.xml><?xml version="1.0" encoding="utf-8"?>
-<p:sld xmlns:a="http://schemas.openxmlformats.org/drawingml/2006/main" xmlns:r="http://schemas.openxmlformats.org/officeDocument/2006/relationships" xmlns:p="http://schemas.openxmlformats.org/presentationml/2006/main">
-  <p:cSld>
-    <p:spTree>
-      <p:nvGrpSpPr>
-        <p:cNvPr id="1" name=""/>
-        <p:cNvGrpSpPr/>
-        <p:nvPr/>
-      </p:nvGrpSpPr>
-      <p:grpSpPr>
-        <a:xfrm>
-          <a:off x="0" y="0"/>
-          <a:ext cx="0" cy="0"/>
-          <a:chOff x="0" y="0"/>
-          <a:chExt cx="0" cy="0"/>
-        </a:xfrm>
-      </p:grpSpPr>
-      <p:sp>
-        <p:nvSpPr>
-          <p:cNvPr id="2" name="Title 1"/>
-          <p:cNvSpPr>
-            <a:spLocks noGrp="1"/>
-          </p:cNvSpPr>
-          <p:nvPr>
-            <p:ph type="title"/>
-          </p:nvPr>
-        </p:nvSpPr>
-        <p:spPr/>
-        <p:txBody>
-          <a:bodyPr/>
-          <a:lstStyle/>
-          <a:p>
-            <a:r>
-              <a:rPr lang="en-GB" dirty="0" smtClean="0"/>
-              <a:t>Static Typing</a:t>
-            </a:r>
-            <a:endParaRPr lang="en-GB" dirty="0"/>
-          </a:p>
-        </p:txBody>
-      </p:sp>
-      <p:sp>
-        <p:nvSpPr>
-          <p:cNvPr id="3" name="Content Placeholder 2"/>
-          <p:cNvSpPr>
-            <a:spLocks noGrp="1"/>
-          </p:cNvSpPr>
-          <p:nvPr>
-            <p:ph idx="1"/>
-          </p:nvPr>
-        </p:nvSpPr>
-        <p:spPr/>
-        <p:txBody>
-          <a:bodyPr>
-            <a:normAutofit/>
-          </a:bodyPr>
-          <a:lstStyle/>
-          <a:p>
-            <a:pPr marL="0" indent="0">
-              <a:buNone/>
-            </a:pPr>
-            <a:r>
-              <a:rPr lang="en-GB" dirty="0" smtClean="0"/>
-              <a:t>…</a:t>
-            </a:r>
-          </a:p>
-          <a:p>
-            <a:pPr marL="0" indent="0">
-              <a:buNone/>
-            </a:pPr>
-            <a:r>
-              <a:rPr lang="en-GB"/>
-              <a:t>http://wiki.c2.com/?StaticTyping</a:t>
-            </a:r>
-            <a:endParaRPr lang="en-GB" dirty="0"/>
-          </a:p>
-          <a:p>
-            <a:pPr marL="0" indent="0">
-              <a:buNone/>
-            </a:pPr>
-            <a:r>
-              <a:rPr lang="en-GB" dirty="0" smtClean="0"/>
-              <a:t>(Explicit typing vs type inference)</a:t>
-            </a:r>
-          </a:p>
-          <a:p>
-            <a:pPr marL="0" indent="0">
-              <a:buNone/>
-            </a:pPr>
-            <a:endParaRPr lang="en-GB" dirty="0"/>
-          </a:p>
-        </p:txBody>
-      </p:sp>
-    </p:spTree>
-    <p:extLst>
-      <p:ext uri="{BB962C8B-B14F-4D97-AF65-F5344CB8AC3E}">
-        <p14:creationId xmlns:p14="http://schemas.microsoft.com/office/powerpoint/2010/main" val="4155282785"/>
-      </p:ext>
-    </p:extLst>
-  </p:cSld>
-  <p:clrMapOvr>
-    <a:masterClrMapping/>
-  </p:clrMapOvr>
-  <p:timing>
-    <p:tnLst>
-      <p:par>
-        <p:cTn id="1" dur="indefinite" restart="never" nodeType="tmRoot"/>
-      </p:par>
-    </p:tnLst>
-  </p:timing>
-</p:sld>
-</file>
-
-<file path=ppt/slides/slide6.xml><?xml version="1.0" encoding="utf-8"?>
-<p:sld xmlns:a="http://schemas.openxmlformats.org/drawingml/2006/main" xmlns:r="http://schemas.openxmlformats.org/officeDocument/2006/relationships" xmlns:p="http://schemas.openxmlformats.org/presentationml/2006/main">
-  <p:cSld>
-    <p:spTree>
-      <p:nvGrpSpPr>
-        <p:cNvPr id="1" name=""/>
-        <p:cNvGrpSpPr/>
-        <p:nvPr/>
-      </p:nvGrpSpPr>
-      <p:grpSpPr>
-        <a:xfrm>
-          <a:off x="0" y="0"/>
-          <a:ext cx="0" cy="0"/>
-          <a:chOff x="0" y="0"/>
-          <a:chExt cx="0" cy="0"/>
-        </a:xfrm>
-      </p:grpSpPr>
-      <p:sp>
-        <p:nvSpPr>
-          <p:cNvPr id="2" name="Title 1"/>
-          <p:cNvSpPr>
-            <a:spLocks noGrp="1"/>
-          </p:cNvSpPr>
-          <p:nvPr>
-            <p:ph type="title"/>
-          </p:nvPr>
-        </p:nvSpPr>
-        <p:spPr/>
-        <p:txBody>
-          <a:bodyPr/>
-          <a:lstStyle/>
-          <a:p>
-            <a:r>
-              <a:rPr lang="en-GB" dirty="0" smtClean="0"/>
-              <a:t>Dynamic Typing</a:t>
-            </a:r>
-            <a:endParaRPr lang="en-GB" dirty="0"/>
-          </a:p>
-        </p:txBody>
-      </p:sp>
-      <p:sp>
-        <p:nvSpPr>
-          <p:cNvPr id="4" name="Content Placeholder 2"/>
-          <p:cNvSpPr>
-            <a:spLocks noGrp="1"/>
-          </p:cNvSpPr>
-          <p:nvPr>
-            <p:ph idx="1"/>
-          </p:nvPr>
-        </p:nvSpPr>
-        <p:spPr>
-          <a:xfrm>
-            <a:off x="838200" y="1825625"/>
-            <a:ext cx="10515600" cy="4351338"/>
-          </a:xfrm>
-        </p:spPr>
-        <p:txBody>
-          <a:bodyPr>
-            <a:normAutofit/>
-          </a:bodyPr>
-          <a:lstStyle/>
-          <a:p>
-            <a:pPr marL="0" indent="0">
-              <a:buNone/>
-            </a:pPr>
-            <a:r>
-              <a:rPr lang="en-GB" dirty="0" smtClean="0"/>
-              <a:t>…</a:t>
-            </a:r>
-            <a:endParaRPr lang="en-GB" dirty="0"/>
-          </a:p>
-        </p:txBody>
-      </p:sp>
-    </p:spTree>
-    <p:extLst>
-      <p:ext uri="{BB962C8B-B14F-4D97-AF65-F5344CB8AC3E}">
-        <p14:creationId xmlns:p14="http://schemas.microsoft.com/office/powerpoint/2010/main" val="2841307633"/>
-      </p:ext>
-    </p:extLst>
-  </p:cSld>
-  <p:clrMapOvr>
-    <a:masterClrMapping/>
-  </p:clrMapOvr>
-  <p:timing>
-    <p:tnLst>
-      <p:par>
-        <p:cTn id="1" dur="indefinite" restart="never" nodeType="tmRoot"/>
-      </p:par>
-    </p:tnLst>
-  </p:timing>
-</p:sld>
-</file>
-
-<file path=ppt/slides/slide7.xml><?xml version="1.0" encoding="utf-8"?>
-<p:sld xmlns:a="http://schemas.openxmlformats.org/drawingml/2006/main" xmlns:r="http://schemas.openxmlformats.org/officeDocument/2006/relationships" xmlns:p="http://schemas.openxmlformats.org/presentationml/2006/main">
-  <p:cSld>
-    <p:spTree>
-      <p:nvGrpSpPr>
-        <p:cNvPr id="1" name=""/>
-        <p:cNvGrpSpPr/>
-        <p:nvPr/>
-      </p:nvGrpSpPr>
-      <p:grpSpPr>
-        <a:xfrm>
-          <a:off x="0" y="0"/>
-          <a:ext cx="0" cy="0"/>
-          <a:chOff x="0" y="0"/>
-          <a:chExt cx="0" cy="0"/>
-        </a:xfrm>
-      </p:grpSpPr>
-      <p:sp>
-        <p:nvSpPr>
-          <p:cNvPr id="2" name="Title 1"/>
-          <p:cNvSpPr>
-            <a:spLocks noGrp="1"/>
-          </p:cNvSpPr>
-          <p:nvPr>
-            <p:ph type="title"/>
-          </p:nvPr>
-        </p:nvSpPr>
-        <p:spPr/>
-        <p:txBody>
-          <a:bodyPr/>
-          <a:lstStyle/>
-          <a:p>
-            <a:r>
-              <a:rPr lang="en-GB" dirty="0" smtClean="0"/>
-              <a:t>Static vs Dynamic Typing</a:t>
-            </a:r>
-            <a:endParaRPr lang="en-GB" dirty="0"/>
-          </a:p>
-        </p:txBody>
-      </p:sp>
-      <p:graphicFrame>
-        <p:nvGraphicFramePr>
-          <p:cNvPr id="4" name="Table 3"/>
-          <p:cNvGraphicFramePr>
-            <a:graphicFrameLocks noGrp="1"/>
-          </p:cNvGraphicFramePr>
-          <p:nvPr>
-            <p:extLst>
-              <p:ext uri="{D42A27DB-BD31-4B8C-83A1-F6EECF244321}">
-                <p14:modId xmlns:p14="http://schemas.microsoft.com/office/powerpoint/2010/main" val="1525359135"/>
-              </p:ext>
-            </p:extLst>
-          </p:nvPr>
-        </p:nvGraphicFramePr>
-        <p:xfrm>
-          <a:off x="1167023" y="1690688"/>
-          <a:ext cx="10044674" cy="4419252"/>
-        </p:xfrm>
-        <a:graphic>
-          <a:graphicData uri="http://schemas.openxmlformats.org/drawingml/2006/table">
-            <a:tbl>
-              <a:tblPr firstRow="1" bandRow="1">
-                <a:tableStyleId>{5C22544A-7EE6-4342-B048-85BDC9FD1C3A}</a:tableStyleId>
-              </a:tblPr>
-              <a:tblGrid>
-                <a:gridCol w="5022337"/>
-                <a:gridCol w="5022337"/>
-              </a:tblGrid>
-              <a:tr h="715197">
-                <a:tc>
-                  <a:txBody>
-                    <a:bodyPr/>
-                    <a:lstStyle/>
-                    <a:p>
-                      <a:pPr algn="ctr"/>
-                      <a:r>
-                        <a:rPr lang="en-GB" sz="2400" dirty="0" smtClean="0"/>
-                        <a:t>Static</a:t>
-                      </a:r>
-                      <a:endParaRPr lang="en-GB" sz="2400" dirty="0"/>
-                    </a:p>
-                  </a:txBody>
-                  <a:tcPr/>
-                </a:tc>
-                <a:tc>
-                  <a:txBody>
-                    <a:bodyPr/>
-                    <a:lstStyle/>
-                    <a:p>
-                      <a:pPr algn="ctr"/>
-                      <a:r>
-                        <a:rPr lang="en-GB" sz="2400" dirty="0" smtClean="0"/>
-                        <a:t>Dynamic</a:t>
-                      </a:r>
-                      <a:endParaRPr lang="en-GB" sz="2400" dirty="0"/>
-                    </a:p>
-                  </a:txBody>
-                  <a:tcPr/>
-                </a:tc>
-              </a:tr>
-              <a:tr h="843267">
-                <a:tc>
-                  <a:txBody>
-                    <a:bodyPr/>
-                    <a:lstStyle/>
-                    <a:p>
-                      <a:r>
-                        <a:rPr lang="en-GB" sz="2400" dirty="0" smtClean="0"/>
-                        <a:t>…</a:t>
-                      </a:r>
-                      <a:endParaRPr lang="en-GB" sz="2400" dirty="0"/>
-                    </a:p>
-                  </a:txBody>
-                  <a:tcPr/>
-                </a:tc>
-                <a:tc>
-                  <a:txBody>
-                    <a:bodyPr/>
-                    <a:lstStyle/>
-                    <a:p>
-                      <a:r>
-                        <a:rPr lang="en-GB" sz="2400" dirty="0" smtClean="0"/>
-                        <a:t>…</a:t>
-                      </a:r>
-                      <a:endParaRPr lang="en-GB" sz="2400" dirty="0"/>
-                    </a:p>
-                  </a:txBody>
-                  <a:tcPr/>
-                </a:tc>
-              </a:tr>
-              <a:tr h="715197">
-                <a:tc>
-                  <a:txBody>
-                    <a:bodyPr/>
-                    <a:lstStyle/>
-                    <a:p>
-                      <a:endParaRPr lang="en-GB" dirty="0"/>
-                    </a:p>
-                  </a:txBody>
-                  <a:tcPr/>
-                </a:tc>
-                <a:tc>
-                  <a:txBody>
-                    <a:bodyPr/>
-                    <a:lstStyle/>
-                    <a:p>
-                      <a:endParaRPr lang="en-GB" dirty="0"/>
-                    </a:p>
-                  </a:txBody>
-                  <a:tcPr/>
-                </a:tc>
-              </a:tr>
-              <a:tr h="715197">
-                <a:tc>
-                  <a:txBody>
-                    <a:bodyPr/>
-                    <a:lstStyle/>
-                    <a:p>
-                      <a:endParaRPr lang="en-GB"/>
-                    </a:p>
-                  </a:txBody>
-                  <a:tcPr/>
-                </a:tc>
-                <a:tc>
-                  <a:txBody>
-                    <a:bodyPr/>
-                    <a:lstStyle/>
-                    <a:p>
-                      <a:endParaRPr lang="en-GB"/>
-                    </a:p>
-                  </a:txBody>
-                  <a:tcPr/>
-                </a:tc>
-              </a:tr>
-              <a:tr h="715197">
-                <a:tc>
-                  <a:txBody>
-                    <a:bodyPr/>
-                    <a:lstStyle/>
-                    <a:p>
-                      <a:endParaRPr lang="en-GB"/>
-                    </a:p>
-                  </a:txBody>
-                  <a:tcPr/>
-                </a:tc>
-                <a:tc>
-                  <a:txBody>
-                    <a:bodyPr/>
-                    <a:lstStyle/>
-                    <a:p>
-                      <a:endParaRPr lang="en-GB"/>
-                    </a:p>
-                  </a:txBody>
-                  <a:tcPr/>
-                </a:tc>
-              </a:tr>
-              <a:tr h="715197">
-                <a:tc>
-                  <a:txBody>
-                    <a:bodyPr/>
-                    <a:lstStyle/>
-                    <a:p>
-                      <a:endParaRPr lang="en-GB" dirty="0"/>
-                    </a:p>
-                  </a:txBody>
-                  <a:tcPr/>
-                </a:tc>
-                <a:tc>
-                  <a:txBody>
-                    <a:bodyPr/>
-                    <a:lstStyle/>
-                    <a:p>
-                      <a:endParaRPr lang="en-GB" dirty="0"/>
-                    </a:p>
-                  </a:txBody>
-                  <a:tcPr/>
-                </a:tc>
-              </a:tr>
-            </a:tbl>
-          </a:graphicData>
-        </a:graphic>
-      </p:graphicFrame>
-    </p:spTree>
-    <p:extLst>
-      <p:ext uri="{BB962C8B-B14F-4D97-AF65-F5344CB8AC3E}">
-        <p14:creationId xmlns:p14="http://schemas.microsoft.com/office/powerpoint/2010/main" val="2293335556"/>
-      </p:ext>
-    </p:extLst>
-  </p:cSld>
-  <p:clrMapOvr>
-    <a:masterClrMapping/>
-  </p:clrMapOvr>
-  <p:timing>
-    <p:tnLst>
-      <p:par>
-        <p:cTn id="1" dur="indefinite" restart="never" nodeType="tmRoot"/>
-      </p:par>
-    </p:tnLst>
-  </p:timing>
-</p:sld>
-</file>
-
-<file path=ppt/slides/slide8.xml><?xml version="1.0" encoding="utf-8"?>
-<p:sld xmlns:a="http://schemas.openxmlformats.org/drawingml/2006/main" xmlns:r="http://schemas.openxmlformats.org/officeDocument/2006/relationships" xmlns:p="http://schemas.openxmlformats.org/presentationml/2006/main">
-  <p:cSld>
-    <p:spTree>
-      <p:nvGrpSpPr>
-        <p:cNvPr id="1" name=""/>
-        <p:cNvGrpSpPr/>
-        <p:nvPr/>
-      </p:nvGrpSpPr>
-      <p:grpSpPr>
-        <a:xfrm>
-          <a:off x="0" y="0"/>
-          <a:ext cx="0" cy="0"/>
-          <a:chOff x="0" y="0"/>
-          <a:chExt cx="0" cy="0"/>
-        </a:xfrm>
-      </p:grpSpPr>
-      <p:sp>
-        <p:nvSpPr>
-          <p:cNvPr id="2" name="Title 1"/>
-          <p:cNvSpPr>
-            <a:spLocks noGrp="1"/>
-          </p:cNvSpPr>
-          <p:nvPr>
-            <p:ph type="title"/>
-          </p:nvPr>
-        </p:nvSpPr>
-        <p:spPr/>
-        <p:txBody>
-          <a:bodyPr/>
-          <a:lstStyle/>
-          <a:p>
-            <a:r>
-              <a:rPr lang="en-GB" dirty="0" smtClean="0"/>
               <a:t>Time for SCIENCE!</a:t>
             </a:r>
             <a:endParaRPr lang="en-GB" dirty="0"/>
@@ -4870,6 +3392,2741 @@
 </p:sld>
 </file>
 
+<file path=ppt/slides/slide11.xml><?xml version="1.0" encoding="utf-8"?>
+<p:sld xmlns:a="http://schemas.openxmlformats.org/drawingml/2006/main" xmlns:r="http://schemas.openxmlformats.org/officeDocument/2006/relationships" xmlns:p="http://schemas.openxmlformats.org/presentationml/2006/main">
+  <p:cSld>
+    <p:spTree>
+      <p:nvGrpSpPr>
+        <p:cNvPr id="1" name=""/>
+        <p:cNvGrpSpPr/>
+        <p:nvPr/>
+      </p:nvGrpSpPr>
+      <p:grpSpPr>
+        <a:xfrm>
+          <a:off x="0" y="0"/>
+          <a:ext cx="0" cy="0"/>
+          <a:chOff x="0" y="0"/>
+          <a:chExt cx="0" cy="0"/>
+        </a:xfrm>
+      </p:grpSpPr>
+      <p:sp>
+        <p:nvSpPr>
+          <p:cNvPr id="2" name="Title 1"/>
+          <p:cNvSpPr>
+            <a:spLocks noGrp="1"/>
+          </p:cNvSpPr>
+          <p:nvPr>
+            <p:ph type="title"/>
+          </p:nvPr>
+        </p:nvSpPr>
+        <p:spPr/>
+        <p:txBody>
+          <a:bodyPr/>
+          <a:lstStyle/>
+          <a:p>
+            <a:r>
+              <a:rPr lang="en-GB" dirty="0" smtClean="0"/>
+              <a:t>The Problem: Bowling</a:t>
+            </a:r>
+            <a:endParaRPr lang="en-GB" dirty="0"/>
+          </a:p>
+        </p:txBody>
+      </p:sp>
+      <p:sp>
+        <p:nvSpPr>
+          <p:cNvPr id="3" name="Content Placeholder 2"/>
+          <p:cNvSpPr>
+            <a:spLocks noGrp="1"/>
+          </p:cNvSpPr>
+          <p:nvPr>
+            <p:ph idx="1"/>
+          </p:nvPr>
+        </p:nvSpPr>
+        <p:spPr/>
+        <p:txBody>
+          <a:bodyPr>
+            <a:normAutofit fontScale="92500" lnSpcReduction="20000"/>
+          </a:bodyPr>
+          <a:lstStyle/>
+          <a:p>
+            <a:pPr marL="0" indent="0">
+              <a:buNone/>
+            </a:pPr>
+            <a:r>
+              <a:rPr lang="en-GB" sz="3500" b="1" dirty="0" smtClean="0"/>
+              <a:t>10-Pin Bowling Scorer</a:t>
+            </a:r>
+          </a:p>
+          <a:p>
+            <a:pPr marL="0" indent="0">
+              <a:buNone/>
+            </a:pPr>
+            <a:endParaRPr lang="en-GB" dirty="0" smtClean="0"/>
+          </a:p>
+          <a:p>
+            <a:r>
+              <a:rPr lang="en-GB" dirty="0" smtClean="0"/>
+              <a:t>10 pins to knock down, worth one point each</a:t>
+            </a:r>
+          </a:p>
+          <a:p>
+            <a:r>
+              <a:rPr lang="en-GB" dirty="0" smtClean="0"/>
+              <a:t>10 frames, each consisting of up to two attempts</a:t>
+            </a:r>
+          </a:p>
+          <a:p>
+            <a:r>
+              <a:rPr lang="en-GB" dirty="0" smtClean="0"/>
+              <a:t>‘Strike’ – all 10 pins down on first attempt</a:t>
+            </a:r>
+          </a:p>
+          <a:p>
+            <a:pPr lvl="1"/>
+            <a:r>
+              <a:rPr lang="en-GB" dirty="0" smtClean="0"/>
+              <a:t>No second attempt</a:t>
+            </a:r>
+          </a:p>
+          <a:p>
+            <a:pPr lvl="1"/>
+            <a:r>
+              <a:rPr lang="en-GB" dirty="0" smtClean="0"/>
+              <a:t>Score for this frame is 10 + pins from next two balls</a:t>
+            </a:r>
+          </a:p>
+          <a:p>
+            <a:r>
+              <a:rPr lang="en-GB" dirty="0" smtClean="0"/>
+              <a:t>‘Spare’ – all 10 pins knocked down on second attempt</a:t>
+            </a:r>
+          </a:p>
+          <a:p>
+            <a:pPr lvl="1"/>
+            <a:r>
+              <a:rPr lang="en-GB" dirty="0" smtClean="0"/>
+              <a:t>Score for this frame is 10 + pins from next ball</a:t>
+            </a:r>
+          </a:p>
+          <a:p>
+            <a:r>
+              <a:rPr lang="en-GB" dirty="0" smtClean="0"/>
+              <a:t>If you get a Strike or Spare on the last frame, you get an additional 1 or 2 balls</a:t>
+            </a:r>
+          </a:p>
+          <a:p>
+            <a:pPr lvl="1"/>
+            <a:r>
+              <a:rPr lang="en-GB" dirty="0" smtClean="0"/>
+              <a:t>See handouts for end game cases</a:t>
+            </a:r>
+          </a:p>
+          <a:p>
+            <a:endParaRPr lang="en-GB" dirty="0"/>
+          </a:p>
+          <a:p>
+            <a:pPr marL="0" indent="0">
+              <a:buNone/>
+            </a:pPr>
+            <a:endParaRPr lang="en-GB" dirty="0" smtClean="0"/>
+          </a:p>
+          <a:p>
+            <a:pPr marL="0" indent="0">
+              <a:buNone/>
+            </a:pPr>
+            <a:endParaRPr lang="en-GB" dirty="0"/>
+          </a:p>
+        </p:txBody>
+      </p:sp>
+    </p:spTree>
+    <p:extLst>
+      <p:ext uri="{BB962C8B-B14F-4D97-AF65-F5344CB8AC3E}">
+        <p14:creationId xmlns:p14="http://schemas.microsoft.com/office/powerpoint/2010/main" val="3171649567"/>
+      </p:ext>
+    </p:extLst>
+  </p:cSld>
+  <p:clrMapOvr>
+    <a:masterClrMapping/>
+  </p:clrMapOvr>
+  <p:timing>
+    <p:tnLst>
+      <p:par>
+        <p:cTn id="1" dur="indefinite" restart="never" nodeType="tmRoot"/>
+      </p:par>
+    </p:tnLst>
+  </p:timing>
+</p:sld>
+</file>
+
+<file path=ppt/slides/slide12.xml><?xml version="1.0" encoding="utf-8"?>
+<p:sld xmlns:a="http://schemas.openxmlformats.org/drawingml/2006/main" xmlns:r="http://schemas.openxmlformats.org/officeDocument/2006/relationships" xmlns:p="http://schemas.openxmlformats.org/presentationml/2006/main">
+  <p:cSld>
+    <p:spTree>
+      <p:nvGrpSpPr>
+        <p:cNvPr id="1" name=""/>
+        <p:cNvGrpSpPr/>
+        <p:nvPr/>
+      </p:nvGrpSpPr>
+      <p:grpSpPr>
+        <a:xfrm>
+          <a:off x="0" y="0"/>
+          <a:ext cx="0" cy="0"/>
+          <a:chOff x="0" y="0"/>
+          <a:chExt cx="0" cy="0"/>
+        </a:xfrm>
+      </p:grpSpPr>
+      <p:sp>
+        <p:nvSpPr>
+          <p:cNvPr id="2" name="Title 1"/>
+          <p:cNvSpPr>
+            <a:spLocks noGrp="1"/>
+          </p:cNvSpPr>
+          <p:nvPr>
+            <p:ph type="title"/>
+          </p:nvPr>
+        </p:nvSpPr>
+        <p:spPr/>
+        <p:txBody>
+          <a:bodyPr/>
+          <a:lstStyle/>
+          <a:p>
+            <a:r>
+              <a:rPr lang="en-GB" dirty="0" smtClean="0"/>
+              <a:t>The Problem: Bowling</a:t>
+            </a:r>
+            <a:endParaRPr lang="en-GB" dirty="0"/>
+          </a:p>
+        </p:txBody>
+      </p:sp>
+      <p:sp>
+        <p:nvSpPr>
+          <p:cNvPr id="3" name="Content Placeholder 2"/>
+          <p:cNvSpPr>
+            <a:spLocks noGrp="1"/>
+          </p:cNvSpPr>
+          <p:nvPr>
+            <p:ph idx="1"/>
+          </p:nvPr>
+        </p:nvSpPr>
+        <p:spPr>
+          <a:xfrm>
+            <a:off x="838200" y="1458097"/>
+            <a:ext cx="10515600" cy="4718866"/>
+          </a:xfrm>
+        </p:spPr>
+        <p:txBody>
+          <a:bodyPr>
+            <a:normAutofit fontScale="55000" lnSpcReduction="20000"/>
+          </a:bodyPr>
+          <a:lstStyle/>
+          <a:p>
+            <a:pPr marL="0" indent="0">
+              <a:buNone/>
+            </a:pPr>
+            <a:r>
+              <a:rPr lang="en-GB" sz="3500" b="1" dirty="0" smtClean="0"/>
+              <a:t>Examples</a:t>
+            </a:r>
+          </a:p>
+          <a:p>
+            <a:pPr marL="0" indent="0">
+              <a:buNone/>
+            </a:pPr>
+            <a:endParaRPr lang="en-GB" dirty="0" smtClean="0"/>
+          </a:p>
+          <a:p>
+            <a:pPr marL="0" indent="0">
+              <a:buNone/>
+            </a:pPr>
+            <a:r>
+              <a:rPr lang="en-GB" dirty="0" smtClean="0"/>
+              <a:t>Frame 1: [3,5] </a:t>
+            </a:r>
+            <a:r>
+              <a:rPr lang="en-GB" dirty="0" smtClean="0">
+                <a:solidFill>
+                  <a:srgbClr val="FF0000"/>
+                </a:solidFill>
+              </a:rPr>
+              <a:t>8</a:t>
+            </a:r>
+          </a:p>
+          <a:p>
+            <a:pPr marL="0" indent="0">
+              <a:buNone/>
+            </a:pPr>
+            <a:r>
+              <a:rPr lang="en-GB" dirty="0" smtClean="0"/>
+              <a:t>Frame 2: [2,4] </a:t>
+            </a:r>
+            <a:r>
+              <a:rPr lang="en-GB" dirty="0" smtClean="0">
+                <a:solidFill>
+                  <a:srgbClr val="FF0000"/>
+                </a:solidFill>
+              </a:rPr>
+              <a:t>6</a:t>
+            </a:r>
+          </a:p>
+          <a:p>
+            <a:pPr marL="0" indent="0">
+              <a:buNone/>
+            </a:pPr>
+            <a:r>
+              <a:rPr lang="en-GB" dirty="0" smtClean="0"/>
+              <a:t>Score: 14</a:t>
+            </a:r>
+          </a:p>
+          <a:p>
+            <a:pPr marL="0" indent="0">
+              <a:buNone/>
+            </a:pPr>
+            <a:endParaRPr lang="en-GB" dirty="0" smtClean="0"/>
+          </a:p>
+          <a:p>
+            <a:pPr marL="0" indent="0">
+              <a:buNone/>
+            </a:pPr>
+            <a:r>
+              <a:rPr lang="en-GB" dirty="0"/>
+              <a:t>Frame 1: [10,-] </a:t>
+            </a:r>
+            <a:r>
+              <a:rPr lang="en-GB" dirty="0" smtClean="0"/>
+              <a:t> </a:t>
+            </a:r>
+            <a:r>
+              <a:rPr lang="en-GB" dirty="0" smtClean="0">
+                <a:solidFill>
+                  <a:srgbClr val="FF0000"/>
+                </a:solidFill>
+              </a:rPr>
+              <a:t>13</a:t>
+            </a:r>
+          </a:p>
+          <a:p>
+            <a:pPr marL="0" indent="0">
+              <a:buNone/>
+            </a:pPr>
+            <a:r>
+              <a:rPr lang="en-GB" dirty="0" smtClean="0"/>
+              <a:t>Frame </a:t>
+            </a:r>
+            <a:r>
+              <a:rPr lang="en-GB" dirty="0"/>
+              <a:t>2: [</a:t>
+            </a:r>
+            <a:r>
+              <a:rPr lang="en-GB" dirty="0" smtClean="0"/>
+              <a:t>2,1] </a:t>
+            </a:r>
+            <a:r>
+              <a:rPr lang="en-GB" dirty="0" smtClean="0">
+                <a:solidFill>
+                  <a:srgbClr val="FF0000"/>
+                </a:solidFill>
+              </a:rPr>
+              <a:t>3</a:t>
+            </a:r>
+            <a:endParaRPr lang="en-GB" dirty="0">
+              <a:solidFill>
+                <a:srgbClr val="FF0000"/>
+              </a:solidFill>
+            </a:endParaRPr>
+          </a:p>
+          <a:p>
+            <a:pPr marL="0" indent="0">
+              <a:buNone/>
+            </a:pPr>
+            <a:r>
+              <a:rPr lang="en-GB" dirty="0"/>
+              <a:t>Score: </a:t>
+            </a:r>
+            <a:r>
+              <a:rPr lang="en-GB" dirty="0" smtClean="0"/>
+              <a:t>16</a:t>
+            </a:r>
+          </a:p>
+          <a:p>
+            <a:pPr marL="0" indent="0">
+              <a:buNone/>
+            </a:pPr>
+            <a:endParaRPr lang="en-GB" dirty="0"/>
+          </a:p>
+          <a:p>
+            <a:pPr marL="0" indent="0">
+              <a:buNone/>
+            </a:pPr>
+            <a:r>
+              <a:rPr lang="en-GB" dirty="0"/>
+              <a:t>Frame 1: </a:t>
+            </a:r>
+            <a:r>
+              <a:rPr lang="en-GB" dirty="0" smtClean="0"/>
+              <a:t>[5,5] </a:t>
+            </a:r>
+            <a:r>
+              <a:rPr lang="en-GB" dirty="0" smtClean="0">
+                <a:solidFill>
+                  <a:srgbClr val="FF0000"/>
+                </a:solidFill>
+              </a:rPr>
+              <a:t>16</a:t>
+            </a:r>
+            <a:endParaRPr lang="en-GB" dirty="0">
+              <a:solidFill>
+                <a:srgbClr val="FF0000"/>
+              </a:solidFill>
+            </a:endParaRPr>
+          </a:p>
+          <a:p>
+            <a:pPr marL="0" indent="0">
+              <a:buNone/>
+            </a:pPr>
+            <a:r>
+              <a:rPr lang="en-GB" dirty="0"/>
+              <a:t>Frame 2: </a:t>
+            </a:r>
+            <a:r>
+              <a:rPr lang="en-GB" dirty="0" smtClean="0"/>
+              <a:t>[6,3] </a:t>
+            </a:r>
+            <a:r>
+              <a:rPr lang="en-GB" dirty="0" smtClean="0">
+                <a:solidFill>
+                  <a:srgbClr val="FF0000"/>
+                </a:solidFill>
+              </a:rPr>
+              <a:t>9</a:t>
+            </a:r>
+            <a:endParaRPr lang="en-GB" dirty="0">
+              <a:solidFill>
+                <a:srgbClr val="FF0000"/>
+              </a:solidFill>
+            </a:endParaRPr>
+          </a:p>
+          <a:p>
+            <a:pPr marL="0" indent="0">
+              <a:buNone/>
+            </a:pPr>
+            <a:r>
+              <a:rPr lang="en-GB" dirty="0"/>
+              <a:t>Score: </a:t>
+            </a:r>
+            <a:r>
+              <a:rPr lang="en-GB" dirty="0" smtClean="0"/>
+              <a:t>25</a:t>
+            </a:r>
+          </a:p>
+          <a:p>
+            <a:pPr marL="0" indent="0">
+              <a:buNone/>
+            </a:pPr>
+            <a:endParaRPr lang="en-GB" dirty="0"/>
+          </a:p>
+          <a:p>
+            <a:pPr marL="0" indent="0">
+              <a:buNone/>
+            </a:pPr>
+            <a:r>
+              <a:rPr lang="en-GB" dirty="0" smtClean="0"/>
+              <a:t>Frames: [10,-] </a:t>
+            </a:r>
+            <a:r>
+              <a:rPr lang="en-GB" dirty="0"/>
+              <a:t>[10,-] [10,-] [10,-] [10,-] [10,-] [10,-] [10,-] [10,-] [10,-] </a:t>
+            </a:r>
+            <a:r>
+              <a:rPr lang="en-GB" dirty="0" smtClean="0"/>
+              <a:t>10 10</a:t>
+            </a:r>
+            <a:r>
+              <a:rPr lang="en-GB" dirty="0" smtClean="0">
+                <a:solidFill>
+                  <a:srgbClr val="FF0000"/>
+                </a:solidFill>
+              </a:rPr>
+              <a:t> &lt;- extra balls to calculate Frame 10 score</a:t>
+            </a:r>
+          </a:p>
+          <a:p>
+            <a:pPr marL="0" indent="0">
+              <a:buNone/>
+            </a:pPr>
+            <a:r>
+              <a:rPr lang="en-GB" dirty="0" smtClean="0"/>
+              <a:t>Score: 300</a:t>
+            </a:r>
+            <a:endParaRPr lang="en-GB" dirty="0"/>
+          </a:p>
+          <a:p>
+            <a:pPr marL="0" indent="0">
+              <a:buNone/>
+            </a:pPr>
+            <a:endParaRPr lang="en-GB" dirty="0"/>
+          </a:p>
+          <a:p>
+            <a:pPr marL="0" indent="0">
+              <a:buNone/>
+            </a:pPr>
+            <a:endParaRPr lang="en-GB" dirty="0" smtClean="0"/>
+          </a:p>
+          <a:p>
+            <a:pPr marL="0" indent="0">
+              <a:buNone/>
+            </a:pPr>
+            <a:endParaRPr lang="en-GB" dirty="0" smtClean="0"/>
+          </a:p>
+          <a:p>
+            <a:pPr marL="0" indent="0">
+              <a:buNone/>
+            </a:pPr>
+            <a:endParaRPr lang="en-GB" dirty="0"/>
+          </a:p>
+        </p:txBody>
+      </p:sp>
+    </p:spTree>
+    <p:extLst>
+      <p:ext uri="{BB962C8B-B14F-4D97-AF65-F5344CB8AC3E}">
+        <p14:creationId xmlns:p14="http://schemas.microsoft.com/office/powerpoint/2010/main" val="913249560"/>
+      </p:ext>
+    </p:extLst>
+  </p:cSld>
+  <p:clrMapOvr>
+    <a:masterClrMapping/>
+  </p:clrMapOvr>
+  <p:timing>
+    <p:tnLst>
+      <p:par>
+        <p:cTn id="1" dur="indefinite" restart="never" nodeType="tmRoot"/>
+      </p:par>
+    </p:tnLst>
+  </p:timing>
+</p:sld>
+</file>
+
+<file path=ppt/slides/slide13.xml><?xml version="1.0" encoding="utf-8"?>
+<p:sld xmlns:a="http://schemas.openxmlformats.org/drawingml/2006/main" xmlns:r="http://schemas.openxmlformats.org/officeDocument/2006/relationships" xmlns:p="http://schemas.openxmlformats.org/presentationml/2006/main">
+  <p:cSld>
+    <p:spTree>
+      <p:nvGrpSpPr>
+        <p:cNvPr id="1" name=""/>
+        <p:cNvGrpSpPr/>
+        <p:nvPr/>
+      </p:nvGrpSpPr>
+      <p:grpSpPr>
+        <a:xfrm>
+          <a:off x="0" y="0"/>
+          <a:ext cx="0" cy="0"/>
+          <a:chOff x="0" y="0"/>
+          <a:chExt cx="0" cy="0"/>
+        </a:xfrm>
+      </p:grpSpPr>
+      <p:sp>
+        <p:nvSpPr>
+          <p:cNvPr id="2" name="Title 1"/>
+          <p:cNvSpPr>
+            <a:spLocks noGrp="1"/>
+          </p:cNvSpPr>
+          <p:nvPr>
+            <p:ph type="title"/>
+          </p:nvPr>
+        </p:nvSpPr>
+        <p:spPr/>
+        <p:txBody>
+          <a:bodyPr/>
+          <a:lstStyle/>
+          <a:p>
+            <a:r>
+              <a:rPr lang="en-GB" dirty="0" smtClean="0"/>
+              <a:t>The Problem: Bowling</a:t>
+            </a:r>
+            <a:endParaRPr lang="en-GB" dirty="0"/>
+          </a:p>
+        </p:txBody>
+      </p:sp>
+      <p:sp>
+        <p:nvSpPr>
+          <p:cNvPr id="3" name="Content Placeholder 2"/>
+          <p:cNvSpPr>
+            <a:spLocks noGrp="1"/>
+          </p:cNvSpPr>
+          <p:nvPr>
+            <p:ph idx="1"/>
+          </p:nvPr>
+        </p:nvSpPr>
+        <p:spPr>
+          <a:xfrm>
+            <a:off x="838200" y="1690687"/>
+            <a:ext cx="10515600" cy="4486275"/>
+          </a:xfrm>
+        </p:spPr>
+        <p:txBody>
+          <a:bodyPr>
+            <a:normAutofit/>
+          </a:bodyPr>
+          <a:lstStyle/>
+          <a:p>
+            <a:pPr marL="0" indent="0">
+              <a:buNone/>
+            </a:pPr>
+            <a:r>
+              <a:rPr lang="en-GB" dirty="0" smtClean="0"/>
+              <a:t>Write a program which takes a partial or full set of frames and calculates the score.</a:t>
+            </a:r>
+          </a:p>
+          <a:p>
+            <a:r>
+              <a:rPr lang="en-GB" dirty="0" smtClean="0"/>
+              <a:t>Input will always be full frames (+ bonus balls if needed)</a:t>
+            </a:r>
+          </a:p>
+          <a:p>
+            <a:r>
+              <a:rPr lang="en-GB" dirty="0" smtClean="0"/>
+              <a:t>Assume input always valid</a:t>
+            </a:r>
+          </a:p>
+          <a:p>
+            <a:r>
+              <a:rPr lang="en-GB" dirty="0" smtClean="0"/>
+              <a:t>Input will be no more than one </a:t>
+            </a:r>
+            <a:r>
+              <a:rPr lang="en-GB" dirty="0" smtClean="0"/>
+              <a:t>game</a:t>
+            </a:r>
+            <a:endParaRPr lang="en-GB" dirty="0" smtClean="0"/>
+          </a:p>
+          <a:p>
+            <a:r>
+              <a:rPr lang="en-GB" dirty="0" smtClean="0"/>
+              <a:t>Input format is up to you</a:t>
+            </a:r>
+          </a:p>
+          <a:p>
+            <a:r>
+              <a:rPr lang="en-GB" dirty="0" smtClean="0"/>
+              <a:t>Prepare to accept different inputs during </a:t>
+            </a:r>
+            <a:r>
+              <a:rPr lang="en-GB" dirty="0" smtClean="0"/>
+              <a:t>scoring</a:t>
+            </a:r>
+            <a:endParaRPr lang="en-GB" sz="2000" dirty="0"/>
+          </a:p>
+        </p:txBody>
+      </p:sp>
+    </p:spTree>
+    <p:extLst>
+      <p:ext uri="{BB962C8B-B14F-4D97-AF65-F5344CB8AC3E}">
+        <p14:creationId xmlns:p14="http://schemas.microsoft.com/office/powerpoint/2010/main" val="169929603"/>
+      </p:ext>
+    </p:extLst>
+  </p:cSld>
+  <p:clrMapOvr>
+    <a:masterClrMapping/>
+  </p:clrMapOvr>
+  <p:timing>
+    <p:tnLst>
+      <p:par>
+        <p:cTn id="1" dur="indefinite" restart="never" nodeType="tmRoot"/>
+      </p:par>
+    </p:tnLst>
+  </p:timing>
+</p:sld>
+</file>
+
+<file path=ppt/slides/slide14.xml><?xml version="1.0" encoding="utf-8"?>
+<p:sld xmlns:a="http://schemas.openxmlformats.org/drawingml/2006/main" xmlns:r="http://schemas.openxmlformats.org/officeDocument/2006/relationships" xmlns:p="http://schemas.openxmlformats.org/presentationml/2006/main">
+  <p:cSld>
+    <p:spTree>
+      <p:nvGrpSpPr>
+        <p:cNvPr id="1" name=""/>
+        <p:cNvGrpSpPr/>
+        <p:nvPr/>
+      </p:nvGrpSpPr>
+      <p:grpSpPr>
+        <a:xfrm>
+          <a:off x="0" y="0"/>
+          <a:ext cx="0" cy="0"/>
+          <a:chOff x="0" y="0"/>
+          <a:chExt cx="0" cy="0"/>
+        </a:xfrm>
+      </p:grpSpPr>
+      <p:sp>
+        <p:nvSpPr>
+          <p:cNvPr id="2" name="Title 1"/>
+          <p:cNvSpPr>
+            <a:spLocks noGrp="1"/>
+          </p:cNvSpPr>
+          <p:nvPr>
+            <p:ph type="title"/>
+          </p:nvPr>
+        </p:nvSpPr>
+        <p:spPr>
+          <a:xfrm>
+            <a:off x="838200" y="120426"/>
+            <a:ext cx="10515600" cy="819731"/>
+          </a:xfrm>
+        </p:spPr>
+        <p:txBody>
+          <a:bodyPr/>
+          <a:lstStyle/>
+          <a:p>
+            <a:r>
+              <a:rPr lang="en-GB" dirty="0" smtClean="0"/>
+              <a:t>Go!</a:t>
+            </a:r>
+            <a:endParaRPr lang="en-GB" dirty="0"/>
+          </a:p>
+        </p:txBody>
+      </p:sp>
+      <p:sp>
+        <p:nvSpPr>
+          <p:cNvPr id="3" name="Content Placeholder 2"/>
+          <p:cNvSpPr>
+            <a:spLocks noGrp="1"/>
+          </p:cNvSpPr>
+          <p:nvPr>
+            <p:ph idx="1"/>
+          </p:nvPr>
+        </p:nvSpPr>
+        <p:spPr>
+          <a:xfrm>
+            <a:off x="838200" y="1187292"/>
+            <a:ext cx="10515600" cy="6136783"/>
+          </a:xfrm>
+        </p:spPr>
+        <p:txBody>
+          <a:bodyPr>
+            <a:normAutofit/>
+          </a:bodyPr>
+          <a:lstStyle/>
+          <a:p>
+            <a:pPr marL="0" indent="0">
+              <a:buNone/>
+            </a:pPr>
+            <a:r>
+              <a:rPr lang="en-GB" b="1" dirty="0" smtClean="0"/>
+              <a:t>FAQ</a:t>
+            </a:r>
+          </a:p>
+          <a:p>
+            <a:pPr marL="0" indent="0">
+              <a:buNone/>
+            </a:pPr>
+            <a:endParaRPr lang="en-GB" dirty="0"/>
+          </a:p>
+        </p:txBody>
+      </p:sp>
+    </p:spTree>
+    <p:extLst>
+      <p:ext uri="{BB962C8B-B14F-4D97-AF65-F5344CB8AC3E}">
+        <p14:creationId xmlns:p14="http://schemas.microsoft.com/office/powerpoint/2010/main" val="2687080429"/>
+      </p:ext>
+    </p:extLst>
+  </p:cSld>
+  <p:clrMapOvr>
+    <a:masterClrMapping/>
+  </p:clrMapOvr>
+  <p:timing>
+    <p:tnLst>
+      <p:par>
+        <p:cTn id="1" dur="indefinite" restart="never" nodeType="tmRoot"/>
+      </p:par>
+    </p:tnLst>
+  </p:timing>
+</p:sld>
+</file>
+
+<file path=ppt/slides/slide15.xml><?xml version="1.0" encoding="utf-8"?>
+<p:sld xmlns:a="http://schemas.openxmlformats.org/drawingml/2006/main" xmlns:r="http://schemas.openxmlformats.org/officeDocument/2006/relationships" xmlns:p="http://schemas.openxmlformats.org/presentationml/2006/main">
+  <p:cSld>
+    <p:spTree>
+      <p:nvGrpSpPr>
+        <p:cNvPr id="1" name=""/>
+        <p:cNvGrpSpPr/>
+        <p:nvPr/>
+      </p:nvGrpSpPr>
+      <p:grpSpPr>
+        <a:xfrm>
+          <a:off x="0" y="0"/>
+          <a:ext cx="0" cy="0"/>
+          <a:chOff x="0" y="0"/>
+          <a:chExt cx="0" cy="0"/>
+        </a:xfrm>
+      </p:grpSpPr>
+      <p:sp>
+        <p:nvSpPr>
+          <p:cNvPr id="2" name="Title 1"/>
+          <p:cNvSpPr>
+            <a:spLocks noGrp="1"/>
+          </p:cNvSpPr>
+          <p:nvPr>
+            <p:ph type="title"/>
+          </p:nvPr>
+        </p:nvSpPr>
+        <p:spPr/>
+        <p:txBody>
+          <a:bodyPr/>
+          <a:lstStyle/>
+          <a:p>
+            <a:r>
+              <a:rPr lang="en-GB" dirty="0" smtClean="0"/>
+              <a:t>Scoring the solutions</a:t>
+            </a:r>
+            <a:endParaRPr lang="en-GB" dirty="0"/>
+          </a:p>
+        </p:txBody>
+      </p:sp>
+      <p:sp>
+        <p:nvSpPr>
+          <p:cNvPr id="3" name="Content Placeholder 2"/>
+          <p:cNvSpPr>
+            <a:spLocks noGrp="1"/>
+          </p:cNvSpPr>
+          <p:nvPr>
+            <p:ph idx="1"/>
+          </p:nvPr>
+        </p:nvSpPr>
+        <p:spPr/>
+        <p:txBody>
+          <a:bodyPr>
+            <a:normAutofit/>
+          </a:bodyPr>
+          <a:lstStyle/>
+          <a:p>
+            <a:r>
+              <a:rPr lang="en-GB" dirty="0" smtClean="0"/>
+              <a:t>Swap with a pair in the other group</a:t>
+            </a:r>
+          </a:p>
+          <a:p>
+            <a:r>
+              <a:rPr lang="en-GB" dirty="0" smtClean="0"/>
+              <a:t>Give a mark for each successful test case passed</a:t>
+            </a:r>
+          </a:p>
+          <a:p>
+            <a:r>
+              <a:rPr lang="en-GB" dirty="0" smtClean="0"/>
+              <a:t>Deduct a mark for each case of a broken rule</a:t>
+            </a:r>
+          </a:p>
+          <a:p>
+            <a:pPr lvl="1"/>
+            <a:r>
+              <a:rPr lang="en-GB" dirty="0" smtClean="0"/>
+              <a:t>Any uncertainly, ask a Judge</a:t>
+            </a:r>
+          </a:p>
+          <a:p>
+            <a:r>
+              <a:rPr lang="en-GB" dirty="0" smtClean="0"/>
+              <a:t>Scores will be aggregated</a:t>
+            </a:r>
+          </a:p>
+          <a:p>
+            <a:endParaRPr lang="en-GB" dirty="0"/>
+          </a:p>
+          <a:p>
+            <a:pPr marL="0" indent="0">
+              <a:buNone/>
+            </a:pPr>
+            <a:r>
+              <a:rPr lang="en-GB" dirty="0" smtClean="0"/>
+              <a:t>See handouts for details</a:t>
+            </a:r>
+            <a:endParaRPr lang="en-GB" dirty="0"/>
+          </a:p>
+        </p:txBody>
+      </p:sp>
+    </p:spTree>
+    <p:extLst>
+      <p:ext uri="{BB962C8B-B14F-4D97-AF65-F5344CB8AC3E}">
+        <p14:creationId xmlns:p14="http://schemas.microsoft.com/office/powerpoint/2010/main" val="1627186506"/>
+      </p:ext>
+    </p:extLst>
+  </p:cSld>
+  <p:clrMapOvr>
+    <a:masterClrMapping/>
+  </p:clrMapOvr>
+  <p:timing>
+    <p:tnLst>
+      <p:par>
+        <p:cTn id="1" dur="indefinite" restart="never" nodeType="tmRoot"/>
+      </p:par>
+    </p:tnLst>
+  </p:timing>
+</p:sld>
+</file>
+
+<file path=ppt/slides/slide16.xml><?xml version="1.0" encoding="utf-8"?>
+<p:sld xmlns:a="http://schemas.openxmlformats.org/drawingml/2006/main" xmlns:r="http://schemas.openxmlformats.org/officeDocument/2006/relationships" xmlns:p="http://schemas.openxmlformats.org/presentationml/2006/main">
+  <p:cSld>
+    <p:spTree>
+      <p:nvGrpSpPr>
+        <p:cNvPr id="1" name=""/>
+        <p:cNvGrpSpPr/>
+        <p:nvPr/>
+      </p:nvGrpSpPr>
+      <p:grpSpPr>
+        <a:xfrm>
+          <a:off x="0" y="0"/>
+          <a:ext cx="0" cy="0"/>
+          <a:chOff x="0" y="0"/>
+          <a:chExt cx="0" cy="0"/>
+        </a:xfrm>
+      </p:grpSpPr>
+      <p:pic>
+        <p:nvPicPr>
+          <p:cNvPr id="5" name="Picture 4"/>
+          <p:cNvPicPr>
+            <a:picLocks noChangeAspect="1"/>
+          </p:cNvPicPr>
+          <p:nvPr/>
+        </p:nvPicPr>
+        <p:blipFill>
+          <a:blip r:embed="rId2"/>
+          <a:stretch>
+            <a:fillRect/>
+          </a:stretch>
+        </p:blipFill>
+        <p:spPr>
+          <a:xfrm>
+            <a:off x="1" y="-638743"/>
+            <a:ext cx="12192000" cy="8135485"/>
+          </a:xfrm>
+          <a:prstGeom prst="rect">
+            <a:avLst/>
+          </a:prstGeom>
+        </p:spPr>
+      </p:pic>
+    </p:spTree>
+    <p:extLst>
+      <p:ext uri="{BB962C8B-B14F-4D97-AF65-F5344CB8AC3E}">
+        <p14:creationId xmlns:p14="http://schemas.microsoft.com/office/powerpoint/2010/main" val="3239436069"/>
+      </p:ext>
+    </p:extLst>
+  </p:cSld>
+  <p:clrMapOvr>
+    <a:masterClrMapping/>
+  </p:clrMapOvr>
+  <p:timing>
+    <p:tnLst>
+      <p:par>
+        <p:cTn id="1" dur="indefinite" restart="never" nodeType="tmRoot"/>
+      </p:par>
+    </p:tnLst>
+  </p:timing>
+</p:sld>
+</file>
+
+<file path=ppt/slides/slide17.xml><?xml version="1.0" encoding="utf-8"?>
+<p:sld xmlns:a="http://schemas.openxmlformats.org/drawingml/2006/main" xmlns:r="http://schemas.openxmlformats.org/officeDocument/2006/relationships" xmlns:p="http://schemas.openxmlformats.org/presentationml/2006/main">
+  <p:cSld>
+    <p:spTree>
+      <p:nvGrpSpPr>
+        <p:cNvPr id="1" name=""/>
+        <p:cNvGrpSpPr/>
+        <p:nvPr/>
+      </p:nvGrpSpPr>
+      <p:grpSpPr>
+        <a:xfrm>
+          <a:off x="0" y="0"/>
+          <a:ext cx="0" cy="0"/>
+          <a:chOff x="0" y="0"/>
+          <a:chExt cx="0" cy="0"/>
+        </a:xfrm>
+      </p:grpSpPr>
+      <p:sp>
+        <p:nvSpPr>
+          <p:cNvPr id="2" name="Title 1"/>
+          <p:cNvSpPr>
+            <a:spLocks noGrp="1"/>
+          </p:cNvSpPr>
+          <p:nvPr>
+            <p:ph type="title"/>
+          </p:nvPr>
+        </p:nvSpPr>
+        <p:spPr/>
+        <p:txBody>
+          <a:bodyPr/>
+          <a:lstStyle/>
+          <a:p>
+            <a:r>
+              <a:rPr lang="en-GB" dirty="0" smtClean="0"/>
+              <a:t>Remember!</a:t>
+            </a:r>
+            <a:endParaRPr lang="en-GB" dirty="0"/>
+          </a:p>
+        </p:txBody>
+      </p:sp>
+      <p:sp>
+        <p:nvSpPr>
+          <p:cNvPr id="3" name="Content Placeholder 2"/>
+          <p:cNvSpPr>
+            <a:spLocks noGrp="1"/>
+          </p:cNvSpPr>
+          <p:nvPr>
+            <p:ph idx="1"/>
+          </p:nvPr>
+        </p:nvSpPr>
+        <p:spPr/>
+        <p:txBody>
+          <a:bodyPr>
+            <a:normAutofit/>
+          </a:bodyPr>
+          <a:lstStyle/>
+          <a:p>
+            <a:pPr marL="0" indent="0">
+              <a:buNone/>
+            </a:pPr>
+            <a:r>
+              <a:rPr lang="en-GB" b="1" dirty="0" smtClean="0"/>
+              <a:t>Put your solutions here:</a:t>
+            </a:r>
+          </a:p>
+          <a:p>
+            <a:pPr marL="0" indent="0">
+              <a:buNone/>
+            </a:pPr>
+            <a:r>
+              <a:rPr lang="en-GB" dirty="0"/>
+              <a:t>https://github.com/LeedsCodeDojo/StaticVsDynamic</a:t>
+            </a:r>
+            <a:endParaRPr lang="en-GB" dirty="0" smtClean="0"/>
+          </a:p>
+          <a:p>
+            <a:pPr marL="0" indent="0">
+              <a:buNone/>
+            </a:pPr>
+            <a:endParaRPr lang="en-GB" dirty="0"/>
+          </a:p>
+          <a:p>
+            <a:pPr marL="0" indent="0">
+              <a:buNone/>
+            </a:pPr>
+            <a:r>
+              <a:rPr lang="en-GB" b="1" dirty="0" smtClean="0"/>
+              <a:t>Next Dojo:</a:t>
+            </a:r>
+          </a:p>
+          <a:p>
+            <a:pPr marL="0" indent="0">
+              <a:buNone/>
+            </a:pPr>
+            <a:r>
+              <a:rPr lang="en-GB" dirty="0" smtClean="0"/>
+              <a:t>Wednesday 7</a:t>
+            </a:r>
+            <a:r>
+              <a:rPr lang="en-GB" baseline="30000" dirty="0" smtClean="0"/>
+              <a:t>th</a:t>
+            </a:r>
+            <a:r>
+              <a:rPr lang="en-GB" dirty="0" smtClean="0"/>
+              <a:t> Feb - TBD</a:t>
+            </a:r>
+          </a:p>
+        </p:txBody>
+      </p:sp>
+    </p:spTree>
+    <p:extLst>
+      <p:ext uri="{BB962C8B-B14F-4D97-AF65-F5344CB8AC3E}">
+        <p14:creationId xmlns:p14="http://schemas.microsoft.com/office/powerpoint/2010/main" val="4021488857"/>
+      </p:ext>
+    </p:extLst>
+  </p:cSld>
+  <p:clrMapOvr>
+    <a:masterClrMapping/>
+  </p:clrMapOvr>
+  <p:timing>
+    <p:tnLst>
+      <p:par>
+        <p:cTn id="1" dur="indefinite" restart="never" nodeType="tmRoot"/>
+      </p:par>
+    </p:tnLst>
+  </p:timing>
+</p:sld>
+</file>
+
+<file path=ppt/slides/slide2.xml><?xml version="1.0" encoding="utf-8"?>
+<p:sld xmlns:a="http://schemas.openxmlformats.org/drawingml/2006/main" xmlns:r="http://schemas.openxmlformats.org/officeDocument/2006/relationships" xmlns:p="http://schemas.openxmlformats.org/presentationml/2006/main">
+  <p:cSld>
+    <p:spTree>
+      <p:nvGrpSpPr>
+        <p:cNvPr id="1" name=""/>
+        <p:cNvGrpSpPr/>
+        <p:nvPr/>
+      </p:nvGrpSpPr>
+      <p:grpSpPr>
+        <a:xfrm>
+          <a:off x="0" y="0"/>
+          <a:ext cx="0" cy="0"/>
+          <a:chOff x="0" y="0"/>
+          <a:chExt cx="0" cy="0"/>
+        </a:xfrm>
+      </p:grpSpPr>
+      <p:sp>
+        <p:nvSpPr>
+          <p:cNvPr id="2" name="Title 1"/>
+          <p:cNvSpPr>
+            <a:spLocks noGrp="1"/>
+          </p:cNvSpPr>
+          <p:nvPr>
+            <p:ph type="title"/>
+          </p:nvPr>
+        </p:nvSpPr>
+        <p:spPr/>
+        <p:txBody>
+          <a:bodyPr/>
+          <a:lstStyle/>
+          <a:p>
+            <a:r>
+              <a:rPr lang="en-GB" dirty="0" smtClean="0"/>
+              <a:t>Types</a:t>
+            </a:r>
+            <a:endParaRPr lang="en-GB" dirty="0"/>
+          </a:p>
+        </p:txBody>
+      </p:sp>
+      <p:sp>
+        <p:nvSpPr>
+          <p:cNvPr id="3" name="Content Placeholder 2"/>
+          <p:cNvSpPr>
+            <a:spLocks noGrp="1"/>
+          </p:cNvSpPr>
+          <p:nvPr>
+            <p:ph idx="1"/>
+          </p:nvPr>
+        </p:nvSpPr>
+        <p:spPr/>
+        <p:txBody>
+          <a:bodyPr>
+            <a:normAutofit/>
+          </a:bodyPr>
+          <a:lstStyle/>
+          <a:p>
+            <a:pPr marL="0" indent="0">
+              <a:buNone/>
+            </a:pPr>
+            <a:r>
+              <a:rPr lang="en-GB" dirty="0" smtClean="0">
+                <a:latin typeface="Consolas" panose="020B0609020204030204" pitchFamily="49" charset="0"/>
+                <a:cs typeface="Consolas" panose="020B0609020204030204" pitchFamily="49" charset="0"/>
+              </a:rPr>
+              <a:t>	</a:t>
+            </a:r>
+            <a:r>
+              <a:rPr lang="en-GB" dirty="0" err="1" smtClean="0">
+                <a:latin typeface="Consolas" panose="020B0609020204030204" pitchFamily="49" charset="0"/>
+                <a:cs typeface="Consolas" panose="020B0609020204030204" pitchFamily="49" charset="0"/>
+              </a:rPr>
+              <a:t>int</a:t>
+            </a:r>
+            <a:r>
+              <a:rPr lang="en-GB" dirty="0" smtClean="0">
+                <a:latin typeface="Consolas" panose="020B0609020204030204" pitchFamily="49" charset="0"/>
+                <a:cs typeface="Consolas" panose="020B0609020204030204" pitchFamily="49" charset="0"/>
+              </a:rPr>
+              <a:t> x = 3;</a:t>
+            </a:r>
+            <a:endParaRPr lang="en-GB" dirty="0" smtClean="0">
+              <a:latin typeface="Consolas" panose="020B0609020204030204" pitchFamily="49" charset="0"/>
+              <a:cs typeface="Consolas" panose="020B0609020204030204" pitchFamily="49" charset="0"/>
+            </a:endParaRPr>
+          </a:p>
+          <a:p>
+            <a:pPr marL="0" indent="0">
+              <a:buNone/>
+            </a:pPr>
+            <a:endParaRPr lang="en-GB" dirty="0">
+              <a:latin typeface="Consolas" panose="020B0609020204030204" pitchFamily="49" charset="0"/>
+              <a:cs typeface="Consolas" panose="020B0609020204030204" pitchFamily="49" charset="0"/>
+            </a:endParaRPr>
+          </a:p>
+          <a:p>
+            <a:pPr marL="0" indent="0">
+              <a:buNone/>
+            </a:pPr>
+            <a:r>
+              <a:rPr lang="en-GB" dirty="0" smtClean="0">
+                <a:latin typeface="Consolas" panose="020B0609020204030204" pitchFamily="49" charset="0"/>
+                <a:cs typeface="Consolas" panose="020B0609020204030204" pitchFamily="49" charset="0"/>
+              </a:rPr>
+              <a:t>	i</a:t>
+            </a:r>
+            <a:r>
+              <a:rPr lang="en-GB" dirty="0" smtClean="0">
+                <a:latin typeface="Consolas" panose="020B0609020204030204" pitchFamily="49" charset="0"/>
+                <a:cs typeface="Consolas" panose="020B0609020204030204" pitchFamily="49" charset="0"/>
+              </a:rPr>
+              <a:t>f x , y then “no” else “yes”</a:t>
+            </a:r>
+            <a:endParaRPr lang="en-GB" dirty="0" smtClean="0">
+              <a:latin typeface="Consolas" panose="020B0609020204030204" pitchFamily="49" charset="0"/>
+              <a:cs typeface="Consolas" panose="020B0609020204030204" pitchFamily="49" charset="0"/>
+            </a:endParaRPr>
+          </a:p>
+          <a:p>
+            <a:pPr marL="0" indent="0">
+              <a:buNone/>
+            </a:pPr>
+            <a:endParaRPr lang="en-GB" dirty="0" smtClean="0"/>
+          </a:p>
+          <a:p>
+            <a:pPr marL="0" indent="0">
+              <a:buNone/>
+            </a:pPr>
+            <a:r>
+              <a:rPr lang="en-GB" dirty="0" smtClean="0"/>
+              <a:t>A type is a label applied to part of your program which helps the type system reason about it.</a:t>
+            </a:r>
+          </a:p>
+          <a:p>
+            <a:pPr marL="0" indent="0">
+              <a:buNone/>
+            </a:pPr>
+            <a:endParaRPr lang="en-GB" dirty="0" smtClean="0"/>
+          </a:p>
+          <a:p>
+            <a:pPr marL="0" indent="0">
+              <a:buNone/>
+            </a:pPr>
+            <a:r>
+              <a:rPr lang="en-GB" dirty="0" smtClean="0"/>
+              <a:t>Types help constrain your program so as to not be susceptible to certain kinds of bugs.</a:t>
+            </a:r>
+            <a:endParaRPr lang="en-GB" dirty="0"/>
+          </a:p>
+        </p:txBody>
+      </p:sp>
+    </p:spTree>
+    <p:extLst>
+      <p:ext uri="{BB962C8B-B14F-4D97-AF65-F5344CB8AC3E}">
+        <p14:creationId xmlns:p14="http://schemas.microsoft.com/office/powerpoint/2010/main" val="4155282785"/>
+      </p:ext>
+    </p:extLst>
+  </p:cSld>
+  <p:clrMapOvr>
+    <a:masterClrMapping/>
+  </p:clrMapOvr>
+  <p:timing>
+    <p:tnLst>
+      <p:par>
+        <p:cTn id="1" dur="indefinite" restart="never" nodeType="tmRoot"/>
+      </p:par>
+    </p:tnLst>
+  </p:timing>
+</p:sld>
+</file>
+
+<file path=ppt/slides/slide3.xml><?xml version="1.0" encoding="utf-8"?>
+<p:sld xmlns:a="http://schemas.openxmlformats.org/drawingml/2006/main" xmlns:r="http://schemas.openxmlformats.org/officeDocument/2006/relationships" xmlns:p="http://schemas.openxmlformats.org/presentationml/2006/main">
+  <p:cSld>
+    <p:spTree>
+      <p:nvGrpSpPr>
+        <p:cNvPr id="1" name=""/>
+        <p:cNvGrpSpPr/>
+        <p:nvPr/>
+      </p:nvGrpSpPr>
+      <p:grpSpPr>
+        <a:xfrm>
+          <a:off x="0" y="0"/>
+          <a:ext cx="0" cy="0"/>
+          <a:chOff x="0" y="0"/>
+          <a:chExt cx="0" cy="0"/>
+        </a:xfrm>
+      </p:grpSpPr>
+      <p:sp>
+        <p:nvSpPr>
+          <p:cNvPr id="2" name="Title 1"/>
+          <p:cNvSpPr>
+            <a:spLocks noGrp="1"/>
+          </p:cNvSpPr>
+          <p:nvPr>
+            <p:ph type="title"/>
+          </p:nvPr>
+        </p:nvSpPr>
+        <p:spPr/>
+        <p:txBody>
+          <a:bodyPr/>
+          <a:lstStyle/>
+          <a:p>
+            <a:r>
+              <a:rPr lang="en-GB" dirty="0" smtClean="0"/>
+              <a:t>Static Typing*</a:t>
+            </a:r>
+            <a:endParaRPr lang="en-GB" dirty="0"/>
+          </a:p>
+        </p:txBody>
+      </p:sp>
+      <p:sp>
+        <p:nvSpPr>
+          <p:cNvPr id="3" name="Content Placeholder 2"/>
+          <p:cNvSpPr>
+            <a:spLocks noGrp="1"/>
+          </p:cNvSpPr>
+          <p:nvPr>
+            <p:ph idx="1"/>
+          </p:nvPr>
+        </p:nvSpPr>
+        <p:spPr/>
+        <p:txBody>
+          <a:bodyPr>
+            <a:normAutofit fontScale="85000" lnSpcReduction="20000"/>
+          </a:bodyPr>
+          <a:lstStyle/>
+          <a:p>
+            <a:pPr marL="0" indent="0">
+              <a:buNone/>
+            </a:pPr>
+            <a:r>
+              <a:rPr lang="en-GB" dirty="0" smtClean="0"/>
+              <a:t>Types are known and checked at compile time.  Once the type of something is set, it cannot become a different type.</a:t>
+            </a:r>
+          </a:p>
+          <a:p>
+            <a:pPr marL="0" indent="0">
+              <a:buNone/>
+            </a:pPr>
+            <a:endParaRPr lang="en-GB" dirty="0"/>
+          </a:p>
+          <a:p>
+            <a:pPr marL="0" indent="0">
+              <a:buNone/>
+            </a:pPr>
+            <a:r>
+              <a:rPr lang="en-GB" dirty="0" smtClean="0"/>
+              <a:t>	</a:t>
+            </a:r>
+            <a:r>
+              <a:rPr lang="en-GB" dirty="0" err="1" smtClean="0">
+                <a:latin typeface="Consolas" panose="020B0609020204030204" pitchFamily="49" charset="0"/>
+                <a:cs typeface="Consolas" panose="020B0609020204030204" pitchFamily="49" charset="0"/>
+              </a:rPr>
+              <a:t>int</a:t>
+            </a:r>
+            <a:r>
+              <a:rPr lang="en-GB" dirty="0" smtClean="0">
+                <a:latin typeface="Consolas" panose="020B0609020204030204" pitchFamily="49" charset="0"/>
+                <a:cs typeface="Consolas" panose="020B0609020204030204" pitchFamily="49" charset="0"/>
+              </a:rPr>
+              <a:t> x = 3;</a:t>
+            </a:r>
+            <a:endParaRPr lang="en-GB" dirty="0">
+              <a:latin typeface="Consolas" panose="020B0609020204030204" pitchFamily="49" charset="0"/>
+              <a:cs typeface="Consolas" panose="020B0609020204030204" pitchFamily="49" charset="0"/>
+            </a:endParaRPr>
+          </a:p>
+          <a:p>
+            <a:pPr marL="0" indent="0">
+              <a:buNone/>
+            </a:pPr>
+            <a:r>
+              <a:rPr lang="en-GB" dirty="0" smtClean="0">
+                <a:latin typeface="Consolas" panose="020B0609020204030204" pitchFamily="49" charset="0"/>
+                <a:cs typeface="Consolas" panose="020B0609020204030204" pitchFamily="49" charset="0"/>
+              </a:rPr>
+              <a:t>	x = “hi mum!”;</a:t>
+            </a:r>
+            <a:endParaRPr lang="en-GB" dirty="0">
+              <a:latin typeface="Consolas" panose="020B0609020204030204" pitchFamily="49" charset="0"/>
+              <a:cs typeface="Consolas" panose="020B0609020204030204" pitchFamily="49" charset="0"/>
+            </a:endParaRPr>
+          </a:p>
+          <a:p>
+            <a:pPr marL="0" indent="0">
+              <a:buNone/>
+            </a:pPr>
+            <a:r>
+              <a:rPr lang="en-GB" dirty="0" smtClean="0">
+                <a:latin typeface="Consolas" panose="020B0609020204030204" pitchFamily="49" charset="0"/>
+                <a:cs typeface="Consolas" panose="020B0609020204030204" pitchFamily="49" charset="0"/>
+              </a:rPr>
+              <a:t>	</a:t>
+            </a:r>
+            <a:r>
+              <a:rPr lang="en-GB" dirty="0" smtClean="0">
+                <a:solidFill>
+                  <a:srgbClr val="FF0000"/>
+                </a:solidFill>
+                <a:latin typeface="Consolas" panose="020B0609020204030204" pitchFamily="49" charset="0"/>
+                <a:cs typeface="Consolas" panose="020B0609020204030204" pitchFamily="49" charset="0"/>
+              </a:rPr>
+              <a:t>error </a:t>
+            </a:r>
+            <a:r>
+              <a:rPr lang="en-GB" dirty="0">
+                <a:solidFill>
+                  <a:srgbClr val="FF0000"/>
+                </a:solidFill>
+                <a:latin typeface="Consolas" panose="020B0609020204030204" pitchFamily="49" charset="0"/>
+                <a:cs typeface="Consolas" panose="020B0609020204030204" pitchFamily="49" charset="0"/>
+              </a:rPr>
+              <a:t>CS0029: Cannot implicitly convert type 'string' to </a:t>
+            </a:r>
+            <a:r>
+              <a:rPr lang="en-GB" dirty="0" smtClean="0">
+                <a:solidFill>
+                  <a:srgbClr val="FF0000"/>
+                </a:solidFill>
+                <a:latin typeface="Consolas" panose="020B0609020204030204" pitchFamily="49" charset="0"/>
+                <a:cs typeface="Consolas" panose="020B0609020204030204" pitchFamily="49" charset="0"/>
+              </a:rPr>
+              <a:t>'</a:t>
+            </a:r>
+            <a:r>
+              <a:rPr lang="en-GB" dirty="0" err="1" smtClean="0">
+                <a:solidFill>
+                  <a:srgbClr val="FF0000"/>
+                </a:solidFill>
+                <a:latin typeface="Consolas" panose="020B0609020204030204" pitchFamily="49" charset="0"/>
+                <a:cs typeface="Consolas" panose="020B0609020204030204" pitchFamily="49" charset="0"/>
+              </a:rPr>
+              <a:t>int</a:t>
+            </a:r>
+            <a:r>
+              <a:rPr lang="en-GB" dirty="0" smtClean="0">
+                <a:solidFill>
+                  <a:srgbClr val="FF0000"/>
+                </a:solidFill>
+                <a:latin typeface="Consolas" panose="020B0609020204030204" pitchFamily="49" charset="0"/>
+                <a:cs typeface="Consolas" panose="020B0609020204030204" pitchFamily="49" charset="0"/>
+              </a:rPr>
+              <a:t>‘</a:t>
+            </a:r>
+          </a:p>
+          <a:p>
+            <a:pPr marL="0" indent="0">
+              <a:buNone/>
+            </a:pPr>
+            <a:r>
+              <a:rPr lang="en-GB" dirty="0">
+                <a:solidFill>
+                  <a:srgbClr val="FF0000"/>
+                </a:solidFill>
+                <a:latin typeface="Consolas" panose="020B0609020204030204" pitchFamily="49" charset="0"/>
+                <a:cs typeface="Consolas" panose="020B0609020204030204" pitchFamily="49" charset="0"/>
+              </a:rPr>
+              <a:t>	</a:t>
+            </a:r>
+            <a:endParaRPr lang="en-GB" dirty="0" smtClean="0">
+              <a:solidFill>
+                <a:srgbClr val="FF0000"/>
+              </a:solidFill>
+              <a:latin typeface="Consolas" panose="020B0609020204030204" pitchFamily="49" charset="0"/>
+              <a:cs typeface="Consolas" panose="020B0609020204030204" pitchFamily="49" charset="0"/>
+            </a:endParaRPr>
+          </a:p>
+          <a:p>
+            <a:pPr marL="0" indent="0">
+              <a:buNone/>
+            </a:pPr>
+            <a:r>
+              <a:rPr lang="en-GB" dirty="0">
+                <a:solidFill>
+                  <a:srgbClr val="FF0000"/>
+                </a:solidFill>
+                <a:latin typeface="Consolas" panose="020B0609020204030204" pitchFamily="49" charset="0"/>
+                <a:cs typeface="Consolas" panose="020B0609020204030204" pitchFamily="49" charset="0"/>
+              </a:rPr>
+              <a:t>	</a:t>
+            </a:r>
+            <a:r>
+              <a:rPr lang="en-GB" dirty="0" err="1" smtClean="0">
+                <a:latin typeface="Consolas" panose="020B0609020204030204" pitchFamily="49" charset="0"/>
+                <a:cs typeface="Consolas" panose="020B0609020204030204" pitchFamily="49" charset="0"/>
+              </a:rPr>
+              <a:t>int</a:t>
+            </a:r>
+            <a:r>
+              <a:rPr lang="en-GB" dirty="0" smtClean="0">
+                <a:latin typeface="Consolas" panose="020B0609020204030204" pitchFamily="49" charset="0"/>
+                <a:cs typeface="Consolas" panose="020B0609020204030204" pitchFamily="49" charset="0"/>
+              </a:rPr>
+              <a:t> y = 4;</a:t>
+            </a:r>
+          </a:p>
+          <a:p>
+            <a:pPr marL="0" indent="0">
+              <a:buNone/>
+            </a:pPr>
+            <a:r>
+              <a:rPr lang="en-GB" dirty="0">
+                <a:latin typeface="Consolas" panose="020B0609020204030204" pitchFamily="49" charset="0"/>
+                <a:cs typeface="Consolas" panose="020B0609020204030204" pitchFamily="49" charset="0"/>
+              </a:rPr>
+              <a:t>	</a:t>
+            </a:r>
+            <a:r>
+              <a:rPr lang="en-GB" dirty="0" smtClean="0">
+                <a:latin typeface="Consolas" panose="020B0609020204030204" pitchFamily="49" charset="0"/>
+                <a:cs typeface="Consolas" panose="020B0609020204030204" pitchFamily="49" charset="0"/>
+              </a:rPr>
+              <a:t>y = y + “Hi Dad!”;</a:t>
+            </a:r>
+          </a:p>
+          <a:p>
+            <a:pPr marL="0" indent="0">
+              <a:buNone/>
+            </a:pPr>
+            <a:r>
+              <a:rPr lang="en-GB" dirty="0">
+                <a:solidFill>
+                  <a:srgbClr val="FF0000"/>
+                </a:solidFill>
+                <a:latin typeface="Consolas" panose="020B0609020204030204" pitchFamily="49" charset="0"/>
+                <a:cs typeface="Consolas" panose="020B0609020204030204" pitchFamily="49" charset="0"/>
+              </a:rPr>
+              <a:t>	error CS0029: Cannot implicitly convert type 'string' to '</a:t>
+            </a:r>
+            <a:r>
+              <a:rPr lang="en-GB" dirty="0" err="1">
+                <a:solidFill>
+                  <a:srgbClr val="FF0000"/>
+                </a:solidFill>
+                <a:latin typeface="Consolas" panose="020B0609020204030204" pitchFamily="49" charset="0"/>
+                <a:cs typeface="Consolas" panose="020B0609020204030204" pitchFamily="49" charset="0"/>
+              </a:rPr>
+              <a:t>int</a:t>
+            </a:r>
+            <a:r>
+              <a:rPr lang="en-GB" dirty="0">
+                <a:solidFill>
+                  <a:srgbClr val="FF0000"/>
+                </a:solidFill>
+                <a:latin typeface="Consolas" panose="020B0609020204030204" pitchFamily="49" charset="0"/>
+                <a:cs typeface="Consolas" panose="020B0609020204030204" pitchFamily="49" charset="0"/>
+              </a:rPr>
+              <a:t>‘</a:t>
+            </a:r>
+          </a:p>
+          <a:p>
+            <a:pPr marL="0" indent="0">
+              <a:buNone/>
+            </a:pPr>
+            <a:endParaRPr lang="en-GB" dirty="0">
+              <a:solidFill>
+                <a:srgbClr val="FF0000"/>
+              </a:solidFill>
+              <a:latin typeface="Consolas" panose="020B0609020204030204" pitchFamily="49" charset="0"/>
+              <a:cs typeface="Consolas" panose="020B0609020204030204" pitchFamily="49" charset="0"/>
+            </a:endParaRPr>
+          </a:p>
+        </p:txBody>
+      </p:sp>
+    </p:spTree>
+    <p:extLst>
+      <p:ext uri="{BB962C8B-B14F-4D97-AF65-F5344CB8AC3E}">
+        <p14:creationId xmlns:p14="http://schemas.microsoft.com/office/powerpoint/2010/main" val="583750016"/>
+      </p:ext>
+    </p:extLst>
+  </p:cSld>
+  <p:clrMapOvr>
+    <a:masterClrMapping/>
+  </p:clrMapOvr>
+  <p:timing>
+    <p:tnLst>
+      <p:par>
+        <p:cTn id="1" dur="indefinite" restart="never" nodeType="tmRoot"/>
+      </p:par>
+    </p:tnLst>
+  </p:timing>
+</p:sld>
+</file>
+
+<file path=ppt/slides/slide4.xml><?xml version="1.0" encoding="utf-8"?>
+<p:sld xmlns:a="http://schemas.openxmlformats.org/drawingml/2006/main" xmlns:r="http://schemas.openxmlformats.org/officeDocument/2006/relationships" xmlns:p="http://schemas.openxmlformats.org/presentationml/2006/main">
+  <p:cSld>
+    <p:spTree>
+      <p:nvGrpSpPr>
+        <p:cNvPr id="1" name=""/>
+        <p:cNvGrpSpPr/>
+        <p:nvPr/>
+      </p:nvGrpSpPr>
+      <p:grpSpPr>
+        <a:xfrm>
+          <a:off x="0" y="0"/>
+          <a:ext cx="0" cy="0"/>
+          <a:chOff x="0" y="0"/>
+          <a:chExt cx="0" cy="0"/>
+        </a:xfrm>
+      </p:grpSpPr>
+      <p:sp>
+        <p:nvSpPr>
+          <p:cNvPr id="2" name="Title 1"/>
+          <p:cNvSpPr>
+            <a:spLocks noGrp="1"/>
+          </p:cNvSpPr>
+          <p:nvPr>
+            <p:ph type="title"/>
+          </p:nvPr>
+        </p:nvSpPr>
+        <p:spPr/>
+        <p:txBody>
+          <a:bodyPr/>
+          <a:lstStyle/>
+          <a:p>
+            <a:r>
+              <a:rPr lang="en-GB" dirty="0" smtClean="0"/>
+              <a:t>Dynamic </a:t>
+            </a:r>
+            <a:r>
+              <a:rPr lang="en-GB" dirty="0" smtClean="0"/>
+              <a:t>Typing*</a:t>
+            </a:r>
+            <a:endParaRPr lang="en-GB" dirty="0"/>
+          </a:p>
+        </p:txBody>
+      </p:sp>
+      <p:sp>
+        <p:nvSpPr>
+          <p:cNvPr id="4" name="Content Placeholder 2"/>
+          <p:cNvSpPr>
+            <a:spLocks noGrp="1"/>
+          </p:cNvSpPr>
+          <p:nvPr>
+            <p:ph idx="1"/>
+          </p:nvPr>
+        </p:nvSpPr>
+        <p:spPr>
+          <a:xfrm>
+            <a:off x="838200" y="1825625"/>
+            <a:ext cx="10515600" cy="4351338"/>
+          </a:xfrm>
+        </p:spPr>
+        <p:txBody>
+          <a:bodyPr>
+            <a:normAutofit lnSpcReduction="10000"/>
+          </a:bodyPr>
+          <a:lstStyle/>
+          <a:p>
+            <a:pPr marL="0" indent="0">
+              <a:buNone/>
+            </a:pPr>
+            <a:r>
+              <a:rPr lang="en-GB" dirty="0" smtClean="0"/>
+              <a:t>Types are checked at runtime.  The type of something can change.</a:t>
+            </a:r>
+          </a:p>
+          <a:p>
+            <a:pPr marL="0" indent="0">
+              <a:buNone/>
+            </a:pPr>
+            <a:endParaRPr lang="en-GB" dirty="0" smtClean="0"/>
+          </a:p>
+          <a:p>
+            <a:pPr marL="0" indent="0">
+              <a:buNone/>
+            </a:pPr>
+            <a:r>
+              <a:rPr lang="en-GB" dirty="0"/>
+              <a:t>	</a:t>
+            </a:r>
+            <a:r>
+              <a:rPr lang="es-ES" dirty="0"/>
+              <a:t>x = </a:t>
+            </a:r>
+            <a:r>
+              <a:rPr lang="es-ES" dirty="0" smtClean="0"/>
+              <a:t>3</a:t>
+            </a:r>
+          </a:p>
+          <a:p>
+            <a:pPr marL="0" indent="0">
+              <a:buNone/>
+            </a:pPr>
+            <a:r>
+              <a:rPr lang="es-ES" dirty="0"/>
+              <a:t>	</a:t>
+            </a:r>
+            <a:r>
+              <a:rPr lang="es-ES" dirty="0" smtClean="0"/>
+              <a:t>x </a:t>
+            </a:r>
+            <a:r>
+              <a:rPr lang="es-ES" dirty="0"/>
+              <a:t>= "</a:t>
+            </a:r>
+            <a:r>
+              <a:rPr lang="es-ES" dirty="0" err="1"/>
+              <a:t>Hello</a:t>
+            </a:r>
+            <a:r>
+              <a:rPr lang="es-ES" dirty="0"/>
+              <a:t> </a:t>
+            </a:r>
+            <a:r>
+              <a:rPr lang="es-ES" dirty="0" err="1"/>
+              <a:t>Mum</a:t>
+            </a:r>
+            <a:r>
+              <a:rPr lang="es-ES" dirty="0" smtClean="0"/>
+              <a:t>!“</a:t>
+            </a:r>
+          </a:p>
+          <a:p>
+            <a:pPr marL="0" indent="0">
+              <a:buNone/>
+            </a:pPr>
+            <a:endParaRPr lang="es-ES" dirty="0"/>
+          </a:p>
+          <a:p>
+            <a:pPr marL="0" indent="0">
+              <a:buNone/>
+            </a:pPr>
+            <a:r>
+              <a:rPr lang="es-ES" dirty="0" smtClean="0"/>
+              <a:t>	y </a:t>
+            </a:r>
+            <a:r>
+              <a:rPr lang="es-ES" dirty="0"/>
+              <a:t>= </a:t>
+            </a:r>
+            <a:r>
+              <a:rPr lang="es-ES" dirty="0" smtClean="0"/>
+              <a:t>4</a:t>
+            </a:r>
+          </a:p>
+          <a:p>
+            <a:pPr marL="0" indent="0">
+              <a:buNone/>
+            </a:pPr>
+            <a:r>
+              <a:rPr lang="es-ES" dirty="0"/>
+              <a:t>	</a:t>
+            </a:r>
+            <a:r>
+              <a:rPr lang="es-ES" dirty="0" smtClean="0"/>
+              <a:t>y </a:t>
+            </a:r>
+            <a:r>
+              <a:rPr lang="es-ES" dirty="0"/>
+              <a:t>= y + "Hi Dad!"</a:t>
+            </a:r>
+            <a:endParaRPr lang="en-GB" dirty="0"/>
+          </a:p>
+          <a:p>
+            <a:pPr marL="0" indent="0">
+              <a:buNone/>
+            </a:pPr>
+            <a:r>
+              <a:rPr lang="en-GB" dirty="0" smtClean="0"/>
+              <a:t>	</a:t>
+            </a:r>
+            <a:r>
+              <a:rPr lang="en-GB" dirty="0" err="1">
+                <a:solidFill>
+                  <a:srgbClr val="FF0000"/>
+                </a:solidFill>
+              </a:rPr>
+              <a:t>Traceback</a:t>
+            </a:r>
+            <a:r>
+              <a:rPr lang="en-GB" dirty="0">
+                <a:solidFill>
+                  <a:srgbClr val="FF0000"/>
+                </a:solidFill>
+              </a:rPr>
+              <a:t> (most recent call last): File "python", line 5, in &lt;module&gt; </a:t>
+            </a:r>
+            <a:r>
+              <a:rPr lang="en-GB" dirty="0" err="1">
+                <a:solidFill>
+                  <a:srgbClr val="FF0000"/>
+                </a:solidFill>
+              </a:rPr>
+              <a:t>TypeError</a:t>
+            </a:r>
+            <a:r>
+              <a:rPr lang="en-GB" dirty="0">
+                <a:solidFill>
+                  <a:srgbClr val="FF0000"/>
+                </a:solidFill>
+              </a:rPr>
+              <a:t>: unsupported operand type(s) for +: '</a:t>
+            </a:r>
+            <a:r>
+              <a:rPr lang="en-GB" dirty="0" err="1">
+                <a:solidFill>
+                  <a:srgbClr val="FF0000"/>
+                </a:solidFill>
+              </a:rPr>
+              <a:t>int</a:t>
+            </a:r>
+            <a:r>
+              <a:rPr lang="en-GB" dirty="0">
+                <a:solidFill>
+                  <a:srgbClr val="FF0000"/>
+                </a:solidFill>
+              </a:rPr>
+              <a:t>' and '</a:t>
+            </a:r>
+            <a:r>
+              <a:rPr lang="en-GB" dirty="0" err="1">
+                <a:solidFill>
+                  <a:srgbClr val="FF0000"/>
+                </a:solidFill>
+              </a:rPr>
+              <a:t>str</a:t>
+            </a:r>
+            <a:r>
+              <a:rPr lang="en-GB" dirty="0">
+                <a:solidFill>
+                  <a:srgbClr val="FF0000"/>
+                </a:solidFill>
+              </a:rPr>
+              <a:t>'</a:t>
+            </a:r>
+            <a:endParaRPr lang="en-GB" dirty="0">
+              <a:solidFill>
+                <a:srgbClr val="FF0000"/>
+              </a:solidFill>
+            </a:endParaRPr>
+          </a:p>
+        </p:txBody>
+      </p:sp>
+    </p:spTree>
+    <p:extLst>
+      <p:ext uri="{BB962C8B-B14F-4D97-AF65-F5344CB8AC3E}">
+        <p14:creationId xmlns:p14="http://schemas.microsoft.com/office/powerpoint/2010/main" val="2841307633"/>
+      </p:ext>
+    </p:extLst>
+  </p:cSld>
+  <p:clrMapOvr>
+    <a:masterClrMapping/>
+  </p:clrMapOvr>
+  <p:timing>
+    <p:tnLst>
+      <p:par>
+        <p:cTn id="1" dur="indefinite" restart="never" nodeType="tmRoot"/>
+      </p:par>
+    </p:tnLst>
+  </p:timing>
+</p:sld>
+</file>
+
+<file path=ppt/slides/slide5.xml><?xml version="1.0" encoding="utf-8"?>
+<p:sld xmlns:a="http://schemas.openxmlformats.org/drawingml/2006/main" xmlns:r="http://schemas.openxmlformats.org/officeDocument/2006/relationships" xmlns:p="http://schemas.openxmlformats.org/presentationml/2006/main">
+  <p:cSld>
+    <p:spTree>
+      <p:nvGrpSpPr>
+        <p:cNvPr id="1" name=""/>
+        <p:cNvGrpSpPr/>
+        <p:nvPr/>
+      </p:nvGrpSpPr>
+      <p:grpSpPr>
+        <a:xfrm>
+          <a:off x="0" y="0"/>
+          <a:ext cx="0" cy="0"/>
+          <a:chOff x="0" y="0"/>
+          <a:chExt cx="0" cy="0"/>
+        </a:xfrm>
+      </p:grpSpPr>
+      <p:sp>
+        <p:nvSpPr>
+          <p:cNvPr id="2" name="Title 1"/>
+          <p:cNvSpPr>
+            <a:spLocks noGrp="1"/>
+          </p:cNvSpPr>
+          <p:nvPr>
+            <p:ph type="title"/>
+          </p:nvPr>
+        </p:nvSpPr>
+        <p:spPr/>
+        <p:txBody>
+          <a:bodyPr/>
+          <a:lstStyle/>
+          <a:p>
+            <a:r>
+              <a:rPr lang="en-GB" dirty="0" smtClean="0"/>
+              <a:t>*</a:t>
+            </a:r>
+            <a:endParaRPr lang="en-GB" dirty="0"/>
+          </a:p>
+        </p:txBody>
+      </p:sp>
+      <p:sp>
+        <p:nvSpPr>
+          <p:cNvPr id="4" name="Content Placeholder 2"/>
+          <p:cNvSpPr>
+            <a:spLocks noGrp="1"/>
+          </p:cNvSpPr>
+          <p:nvPr>
+            <p:ph idx="1"/>
+          </p:nvPr>
+        </p:nvSpPr>
+        <p:spPr>
+          <a:xfrm>
+            <a:off x="838200" y="1825625"/>
+            <a:ext cx="10515600" cy="4351338"/>
+          </a:xfrm>
+        </p:spPr>
+        <p:txBody>
+          <a:bodyPr>
+            <a:normAutofit/>
+          </a:bodyPr>
+          <a:lstStyle/>
+          <a:p>
+            <a:pPr marL="0" indent="0">
+              <a:buNone/>
+            </a:pPr>
+            <a:r>
+              <a:rPr lang="en-GB" dirty="0" smtClean="0"/>
+              <a:t>It’s more complicated than that..</a:t>
+            </a:r>
+          </a:p>
+          <a:p>
+            <a:pPr marL="0" indent="0">
+              <a:buNone/>
+            </a:pPr>
+            <a:endParaRPr lang="en-GB" dirty="0"/>
+          </a:p>
+          <a:p>
+            <a:pPr marL="0" indent="0">
+              <a:buNone/>
+            </a:pPr>
+            <a:r>
+              <a:rPr lang="en-GB" dirty="0" smtClean="0"/>
+              <a:t>See The Internet for further info.</a:t>
+            </a:r>
+          </a:p>
+          <a:p>
+            <a:pPr marL="0" indent="0">
+              <a:buNone/>
+            </a:pPr>
+            <a:endParaRPr lang="en-GB" dirty="0"/>
+          </a:p>
+          <a:p>
+            <a:pPr marL="0" indent="0">
+              <a:buNone/>
+            </a:pPr>
+            <a:endParaRPr lang="en-GB" dirty="0"/>
+          </a:p>
+        </p:txBody>
+      </p:sp>
+    </p:spTree>
+    <p:extLst>
+      <p:ext uri="{BB962C8B-B14F-4D97-AF65-F5344CB8AC3E}">
+        <p14:creationId xmlns:p14="http://schemas.microsoft.com/office/powerpoint/2010/main" val="76818048"/>
+      </p:ext>
+    </p:extLst>
+  </p:cSld>
+  <p:clrMapOvr>
+    <a:masterClrMapping/>
+  </p:clrMapOvr>
+  <p:timing>
+    <p:tnLst>
+      <p:par>
+        <p:cTn id="1" dur="indefinite" restart="never" nodeType="tmRoot"/>
+      </p:par>
+    </p:tnLst>
+  </p:timing>
+</p:sld>
+</file>
+
+<file path=ppt/slides/slide6.xml><?xml version="1.0" encoding="utf-8"?>
+<p:sld xmlns:a="http://schemas.openxmlformats.org/drawingml/2006/main" xmlns:r="http://schemas.openxmlformats.org/officeDocument/2006/relationships" xmlns:p="http://schemas.openxmlformats.org/presentationml/2006/main">
+  <p:cSld>
+    <p:spTree>
+      <p:nvGrpSpPr>
+        <p:cNvPr id="1" name=""/>
+        <p:cNvGrpSpPr/>
+        <p:nvPr/>
+      </p:nvGrpSpPr>
+      <p:grpSpPr>
+        <a:xfrm>
+          <a:off x="0" y="0"/>
+          <a:ext cx="0" cy="0"/>
+          <a:chOff x="0" y="0"/>
+          <a:chExt cx="0" cy="0"/>
+        </a:xfrm>
+      </p:grpSpPr>
+      <p:sp>
+        <p:nvSpPr>
+          <p:cNvPr id="2" name="Title 1"/>
+          <p:cNvSpPr>
+            <a:spLocks noGrp="1"/>
+          </p:cNvSpPr>
+          <p:nvPr>
+            <p:ph type="title"/>
+          </p:nvPr>
+        </p:nvSpPr>
+        <p:spPr/>
+        <p:txBody>
+          <a:bodyPr/>
+          <a:lstStyle/>
+          <a:p>
+            <a:r>
+              <a:rPr lang="en-GB" dirty="0" smtClean="0"/>
+              <a:t>Explicit vs Implicit Typing</a:t>
+            </a:r>
+            <a:endParaRPr lang="en-GB" dirty="0"/>
+          </a:p>
+        </p:txBody>
+      </p:sp>
+      <p:sp>
+        <p:nvSpPr>
+          <p:cNvPr id="3" name="Content Placeholder 2"/>
+          <p:cNvSpPr>
+            <a:spLocks noGrp="1"/>
+          </p:cNvSpPr>
+          <p:nvPr>
+            <p:ph idx="1"/>
+          </p:nvPr>
+        </p:nvSpPr>
+        <p:spPr/>
+        <p:txBody>
+          <a:bodyPr>
+            <a:normAutofit fontScale="92500" lnSpcReduction="20000"/>
+          </a:bodyPr>
+          <a:lstStyle/>
+          <a:p>
+            <a:pPr marL="0" indent="0">
+              <a:buNone/>
+            </a:pPr>
+            <a:r>
+              <a:rPr lang="en-GB" dirty="0" smtClean="0"/>
+              <a:t>Statically typed languages do not necessarily require the programmer to include type annotations.  </a:t>
+            </a:r>
+          </a:p>
+          <a:p>
+            <a:pPr marL="0" indent="0">
+              <a:buNone/>
+            </a:pPr>
+            <a:endParaRPr lang="en-GB" dirty="0"/>
+          </a:p>
+          <a:p>
+            <a:pPr marL="0" indent="0">
+              <a:buNone/>
+            </a:pPr>
+            <a:r>
+              <a:rPr lang="en-GB" dirty="0" smtClean="0"/>
+              <a:t>	</a:t>
+            </a:r>
+            <a:r>
+              <a:rPr lang="en-GB" dirty="0" err="1" smtClean="0">
+                <a:latin typeface="Consolas" panose="020B0609020204030204" pitchFamily="49" charset="0"/>
+                <a:cs typeface="Consolas" panose="020B0609020204030204" pitchFamily="49" charset="0"/>
+              </a:rPr>
+              <a:t>int</a:t>
+            </a:r>
+            <a:r>
+              <a:rPr lang="en-GB" dirty="0" smtClean="0">
+                <a:latin typeface="Consolas" panose="020B0609020204030204" pitchFamily="49" charset="0"/>
+                <a:cs typeface="Consolas" panose="020B0609020204030204" pitchFamily="49" charset="0"/>
+              </a:rPr>
+              <a:t> x = 3; // explicit type annotation</a:t>
+            </a:r>
+          </a:p>
+          <a:p>
+            <a:pPr marL="0" indent="0">
+              <a:buNone/>
+            </a:pPr>
+            <a:endParaRPr lang="en-GB" dirty="0">
+              <a:latin typeface="Consolas" panose="020B0609020204030204" pitchFamily="49" charset="0"/>
+              <a:cs typeface="Consolas" panose="020B0609020204030204" pitchFamily="49" charset="0"/>
+            </a:endParaRPr>
+          </a:p>
+          <a:p>
+            <a:pPr marL="0" indent="0">
+              <a:buNone/>
+            </a:pPr>
+            <a:r>
+              <a:rPr lang="en-GB" dirty="0" smtClean="0">
+                <a:latin typeface="Consolas" panose="020B0609020204030204" pitchFamily="49" charset="0"/>
+                <a:cs typeface="Consolas" panose="020B0609020204030204" pitchFamily="49" charset="0"/>
+              </a:rPr>
+              <a:t>	</a:t>
+            </a:r>
+            <a:r>
+              <a:rPr lang="en-GB" dirty="0" err="1" smtClean="0">
+                <a:latin typeface="Consolas" panose="020B0609020204030204" pitchFamily="49" charset="0"/>
+                <a:cs typeface="Consolas" panose="020B0609020204030204" pitchFamily="49" charset="0"/>
+              </a:rPr>
+              <a:t>var</a:t>
+            </a:r>
+            <a:r>
+              <a:rPr lang="en-GB" dirty="0" smtClean="0">
+                <a:latin typeface="Consolas" panose="020B0609020204030204" pitchFamily="49" charset="0"/>
+                <a:cs typeface="Consolas" panose="020B0609020204030204" pitchFamily="49" charset="0"/>
+              </a:rPr>
+              <a:t> y = 4; // basic type inference</a:t>
+            </a:r>
+            <a:endParaRPr lang="en-GB" dirty="0">
+              <a:latin typeface="Consolas" panose="020B0609020204030204" pitchFamily="49" charset="0"/>
+              <a:cs typeface="Consolas" panose="020B0609020204030204" pitchFamily="49" charset="0"/>
+            </a:endParaRPr>
+          </a:p>
+          <a:p>
+            <a:pPr marL="0" indent="0">
+              <a:buNone/>
+            </a:pPr>
+            <a:r>
+              <a:rPr lang="en-GB" dirty="0" smtClean="0">
+                <a:latin typeface="Consolas" panose="020B0609020204030204" pitchFamily="49" charset="0"/>
+                <a:cs typeface="Consolas" panose="020B0609020204030204" pitchFamily="49" charset="0"/>
+              </a:rPr>
+              <a:t>	</a:t>
+            </a:r>
+          </a:p>
+          <a:p>
+            <a:pPr marL="0" indent="0">
+              <a:buNone/>
+            </a:pPr>
+            <a:r>
+              <a:rPr lang="en-GB" dirty="0">
+                <a:latin typeface="Consolas" panose="020B0609020204030204" pitchFamily="49" charset="0"/>
+                <a:cs typeface="Consolas" panose="020B0609020204030204" pitchFamily="49" charset="0"/>
+              </a:rPr>
+              <a:t>	</a:t>
+            </a:r>
+            <a:r>
+              <a:rPr lang="en-GB" dirty="0" smtClean="0">
+                <a:latin typeface="Consolas" panose="020B0609020204030204" pitchFamily="49" charset="0"/>
+                <a:cs typeface="Consolas" panose="020B0609020204030204" pitchFamily="49" charset="0"/>
+              </a:rPr>
+              <a:t>// more complete type inference</a:t>
+            </a:r>
+          </a:p>
+          <a:p>
+            <a:pPr marL="0" indent="0">
+              <a:buNone/>
+            </a:pPr>
+            <a:r>
+              <a:rPr lang="en-GB" dirty="0">
+                <a:solidFill>
+                  <a:srgbClr val="FF0000"/>
+                </a:solidFill>
+                <a:latin typeface="Consolas" panose="020B0609020204030204" pitchFamily="49" charset="0"/>
+                <a:cs typeface="Consolas" panose="020B0609020204030204" pitchFamily="49" charset="0"/>
+              </a:rPr>
+              <a:t>	</a:t>
+            </a:r>
+            <a:r>
+              <a:rPr lang="en-GB" dirty="0" smtClean="0">
+                <a:latin typeface="Consolas" panose="020B0609020204030204" pitchFamily="49" charset="0"/>
+                <a:cs typeface="Consolas" panose="020B0609020204030204" pitchFamily="49" charset="0"/>
+              </a:rPr>
+              <a:t>let add x y = x + y</a:t>
+            </a:r>
+          </a:p>
+          <a:p>
+            <a:pPr marL="0" indent="0">
+              <a:buNone/>
+            </a:pPr>
+            <a:r>
+              <a:rPr lang="en-GB" dirty="0">
+                <a:latin typeface="Consolas" panose="020B0609020204030204" pitchFamily="49" charset="0"/>
+                <a:cs typeface="Consolas" panose="020B0609020204030204" pitchFamily="49" charset="0"/>
+              </a:rPr>
+              <a:t>	</a:t>
+            </a:r>
+            <a:r>
+              <a:rPr lang="en-GB" dirty="0" smtClean="0">
+                <a:latin typeface="Consolas" panose="020B0609020204030204" pitchFamily="49" charset="0"/>
+                <a:cs typeface="Consolas" panose="020B0609020204030204" pitchFamily="49" charset="0"/>
+              </a:rPr>
+              <a:t>add “a” “b”</a:t>
+            </a:r>
+          </a:p>
+          <a:p>
+            <a:pPr marL="0" indent="0">
+              <a:buNone/>
+            </a:pPr>
+            <a:r>
+              <a:rPr lang="en-GB" dirty="0">
+                <a:solidFill>
+                  <a:srgbClr val="FF0000"/>
+                </a:solidFill>
+                <a:latin typeface="Consolas" panose="020B0609020204030204" pitchFamily="49" charset="0"/>
+                <a:cs typeface="Consolas" panose="020B0609020204030204" pitchFamily="49" charset="0"/>
+              </a:rPr>
+              <a:t>	</a:t>
+            </a:r>
+            <a:r>
+              <a:rPr lang="en-GB" dirty="0" smtClean="0">
+                <a:solidFill>
+                  <a:schemeClr val="accent6"/>
+                </a:solidFill>
+                <a:latin typeface="Consolas" panose="020B0609020204030204" pitchFamily="49" charset="0"/>
+                <a:cs typeface="Consolas" panose="020B0609020204030204" pitchFamily="49" charset="0"/>
+              </a:rPr>
+              <a:t>&gt; </a:t>
+            </a:r>
+            <a:r>
+              <a:rPr lang="en-GB" dirty="0" err="1" smtClean="0">
+                <a:solidFill>
+                  <a:schemeClr val="accent6"/>
+                </a:solidFill>
+                <a:latin typeface="Consolas" panose="020B0609020204030204" pitchFamily="49" charset="0"/>
+                <a:cs typeface="Consolas" panose="020B0609020204030204" pitchFamily="49" charset="0"/>
+              </a:rPr>
+              <a:t>val</a:t>
+            </a:r>
+            <a:r>
+              <a:rPr lang="en-GB" dirty="0" smtClean="0">
+                <a:solidFill>
+                  <a:schemeClr val="accent6"/>
+                </a:solidFill>
+                <a:latin typeface="Consolas" panose="020B0609020204030204" pitchFamily="49" charset="0"/>
+                <a:cs typeface="Consolas" panose="020B0609020204030204" pitchFamily="49" charset="0"/>
+              </a:rPr>
+              <a:t> </a:t>
+            </a:r>
+            <a:r>
+              <a:rPr lang="en-GB" dirty="0">
+                <a:solidFill>
+                  <a:schemeClr val="accent6"/>
+                </a:solidFill>
+                <a:latin typeface="Consolas" panose="020B0609020204030204" pitchFamily="49" charset="0"/>
+                <a:cs typeface="Consolas" panose="020B0609020204030204" pitchFamily="49" charset="0"/>
+              </a:rPr>
+              <a:t>it : string = "ab"</a:t>
+            </a:r>
+            <a:endParaRPr lang="en-GB" dirty="0" smtClean="0">
+              <a:solidFill>
+                <a:schemeClr val="accent6"/>
+              </a:solidFill>
+              <a:latin typeface="Consolas" panose="020B0609020204030204" pitchFamily="49" charset="0"/>
+              <a:cs typeface="Consolas" panose="020B0609020204030204" pitchFamily="49" charset="0"/>
+            </a:endParaRPr>
+          </a:p>
+          <a:p>
+            <a:pPr marL="0" indent="0">
+              <a:buNone/>
+            </a:pPr>
+            <a:endParaRPr lang="en-GB" dirty="0">
+              <a:solidFill>
+                <a:srgbClr val="FF0000"/>
+              </a:solidFill>
+              <a:latin typeface="Consolas" panose="020B0609020204030204" pitchFamily="49" charset="0"/>
+              <a:cs typeface="Consolas" panose="020B0609020204030204" pitchFamily="49" charset="0"/>
+            </a:endParaRPr>
+          </a:p>
+        </p:txBody>
+      </p:sp>
+    </p:spTree>
+    <p:extLst>
+      <p:ext uri="{BB962C8B-B14F-4D97-AF65-F5344CB8AC3E}">
+        <p14:creationId xmlns:p14="http://schemas.microsoft.com/office/powerpoint/2010/main" val="3596931330"/>
+      </p:ext>
+    </p:extLst>
+  </p:cSld>
+  <p:clrMapOvr>
+    <a:masterClrMapping/>
+  </p:clrMapOvr>
+  <p:timing>
+    <p:tnLst>
+      <p:par>
+        <p:cTn id="1" dur="indefinite" restart="never" nodeType="tmRoot"/>
+      </p:par>
+    </p:tnLst>
+  </p:timing>
+</p:sld>
+</file>
+
+<file path=ppt/slides/slide7.xml><?xml version="1.0" encoding="utf-8"?>
+<p:sld xmlns:a="http://schemas.openxmlformats.org/drawingml/2006/main" xmlns:r="http://schemas.openxmlformats.org/officeDocument/2006/relationships" xmlns:p="http://schemas.openxmlformats.org/presentationml/2006/main">
+  <p:cSld>
+    <p:spTree>
+      <p:nvGrpSpPr>
+        <p:cNvPr id="1" name=""/>
+        <p:cNvGrpSpPr/>
+        <p:nvPr/>
+      </p:nvGrpSpPr>
+      <p:grpSpPr>
+        <a:xfrm>
+          <a:off x="0" y="0"/>
+          <a:ext cx="0" cy="0"/>
+          <a:chOff x="0" y="0"/>
+          <a:chExt cx="0" cy="0"/>
+        </a:xfrm>
+      </p:grpSpPr>
+      <p:sp>
+        <p:nvSpPr>
+          <p:cNvPr id="2" name="Title 1"/>
+          <p:cNvSpPr>
+            <a:spLocks noGrp="1"/>
+          </p:cNvSpPr>
+          <p:nvPr>
+            <p:ph type="title"/>
+          </p:nvPr>
+        </p:nvSpPr>
+        <p:spPr/>
+        <p:txBody>
+          <a:bodyPr/>
+          <a:lstStyle/>
+          <a:p>
+            <a:r>
+              <a:rPr lang="en-GB" dirty="0" smtClean="0"/>
+              <a:t>Strong vs Weak Typing</a:t>
+            </a:r>
+            <a:endParaRPr lang="en-GB" dirty="0"/>
+          </a:p>
+        </p:txBody>
+      </p:sp>
+      <p:sp>
+        <p:nvSpPr>
+          <p:cNvPr id="3" name="Content Placeholder 2"/>
+          <p:cNvSpPr>
+            <a:spLocks noGrp="1"/>
+          </p:cNvSpPr>
+          <p:nvPr>
+            <p:ph idx="1"/>
+          </p:nvPr>
+        </p:nvSpPr>
+        <p:spPr/>
+        <p:txBody>
+          <a:bodyPr>
+            <a:normAutofit/>
+          </a:bodyPr>
+          <a:lstStyle/>
+          <a:p>
+            <a:pPr marL="0" indent="0">
+              <a:buNone/>
+            </a:pPr>
+            <a:r>
+              <a:rPr lang="en-GB" dirty="0" smtClean="0"/>
+              <a:t>Some type systems allow conversion between different types more freely than others.</a:t>
+            </a:r>
+          </a:p>
+          <a:p>
+            <a:pPr marL="0" indent="0">
+              <a:buNone/>
+            </a:pPr>
+            <a:endParaRPr lang="en-GB" dirty="0"/>
+          </a:p>
+          <a:p>
+            <a:pPr marL="0" indent="0">
+              <a:buNone/>
+            </a:pPr>
+            <a:r>
+              <a:rPr lang="en-GB" dirty="0" smtClean="0"/>
+              <a:t>	</a:t>
+            </a:r>
+            <a:r>
+              <a:rPr lang="en-GB" dirty="0" err="1" smtClean="0">
+                <a:latin typeface="Consolas" panose="020B0609020204030204" pitchFamily="49" charset="0"/>
+                <a:cs typeface="Consolas" panose="020B0609020204030204" pitchFamily="49" charset="0"/>
+              </a:rPr>
+              <a:t>int</a:t>
+            </a:r>
+            <a:r>
+              <a:rPr lang="en-GB" dirty="0" smtClean="0">
+                <a:latin typeface="Consolas" panose="020B0609020204030204" pitchFamily="49" charset="0"/>
+                <a:cs typeface="Consolas" panose="020B0609020204030204" pitchFamily="49" charset="0"/>
+              </a:rPr>
+              <a:t> x = true; // OK in some languages</a:t>
+            </a:r>
+          </a:p>
+          <a:p>
+            <a:pPr marL="0" indent="0">
+              <a:buNone/>
+            </a:pPr>
+            <a:endParaRPr lang="en-GB" dirty="0">
+              <a:latin typeface="Consolas" panose="020B0609020204030204" pitchFamily="49" charset="0"/>
+              <a:cs typeface="Consolas" panose="020B0609020204030204" pitchFamily="49" charset="0"/>
+            </a:endParaRPr>
+          </a:p>
+          <a:p>
+            <a:pPr marL="0" indent="0">
+              <a:buNone/>
+            </a:pPr>
+            <a:r>
+              <a:rPr lang="en-GB" dirty="0" smtClean="0">
+                <a:latin typeface="Consolas" panose="020B0609020204030204" pitchFamily="49" charset="0"/>
+                <a:cs typeface="Consolas" panose="020B0609020204030204" pitchFamily="49" charset="0"/>
+              </a:rPr>
+              <a:t>	5u = 5L</a:t>
+            </a:r>
+            <a:endParaRPr lang="en-GB" dirty="0">
+              <a:latin typeface="Consolas" panose="020B0609020204030204" pitchFamily="49" charset="0"/>
+              <a:cs typeface="Consolas" panose="020B0609020204030204" pitchFamily="49" charset="0"/>
+            </a:endParaRPr>
+          </a:p>
+          <a:p>
+            <a:pPr marL="0" indent="0">
+              <a:buNone/>
+            </a:pPr>
+            <a:r>
+              <a:rPr lang="en-GB" dirty="0">
+                <a:latin typeface="Consolas" panose="020B0609020204030204" pitchFamily="49" charset="0"/>
+                <a:cs typeface="Consolas" panose="020B0609020204030204" pitchFamily="49" charset="0"/>
+              </a:rPr>
+              <a:t>	</a:t>
+            </a:r>
+            <a:r>
+              <a:rPr lang="en-GB" dirty="0" smtClean="0">
+                <a:solidFill>
+                  <a:srgbClr val="FF0000"/>
+                </a:solidFill>
+              </a:rPr>
+              <a:t>error </a:t>
+            </a:r>
+            <a:r>
+              <a:rPr lang="en-GB" dirty="0">
+                <a:solidFill>
+                  <a:srgbClr val="FF0000"/>
+                </a:solidFill>
+              </a:rPr>
+              <a:t>FS0001: This expression was expected to have </a:t>
+            </a:r>
+            <a:r>
+              <a:rPr lang="en-GB" dirty="0" smtClean="0">
+                <a:solidFill>
+                  <a:srgbClr val="FF0000"/>
+                </a:solidFill>
+              </a:rPr>
+              <a:t>type </a:t>
+            </a:r>
+            <a:r>
+              <a:rPr lang="en-GB" dirty="0">
+                <a:solidFill>
+                  <a:srgbClr val="FF0000"/>
+                </a:solidFill>
+              </a:rPr>
+              <a:t>'uint32'    </a:t>
+            </a:r>
+            <a:r>
+              <a:rPr lang="en-GB" dirty="0" smtClean="0">
+                <a:solidFill>
+                  <a:srgbClr val="FF0000"/>
+                </a:solidFill>
+              </a:rPr>
+              <a:t>	but </a:t>
+            </a:r>
+            <a:r>
+              <a:rPr lang="en-GB" dirty="0">
+                <a:solidFill>
+                  <a:srgbClr val="FF0000"/>
+                </a:solidFill>
+              </a:rPr>
+              <a:t>here has </a:t>
+            </a:r>
+            <a:r>
+              <a:rPr lang="en-GB" dirty="0" smtClean="0">
+                <a:solidFill>
+                  <a:srgbClr val="FF0000"/>
+                </a:solidFill>
+              </a:rPr>
+              <a:t>type 'int64</a:t>
+            </a:r>
+            <a:r>
+              <a:rPr lang="en-GB" dirty="0">
+                <a:solidFill>
+                  <a:srgbClr val="FF0000"/>
+                </a:solidFill>
+              </a:rPr>
+              <a:t>' </a:t>
+            </a:r>
+            <a:endParaRPr lang="en-GB" dirty="0" smtClean="0">
+              <a:solidFill>
+                <a:srgbClr val="FF0000"/>
+              </a:solidFill>
+              <a:latin typeface="Consolas" panose="020B0609020204030204" pitchFamily="49" charset="0"/>
+              <a:cs typeface="Consolas" panose="020B0609020204030204" pitchFamily="49" charset="0"/>
+            </a:endParaRPr>
+          </a:p>
+        </p:txBody>
+      </p:sp>
+    </p:spTree>
+    <p:extLst>
+      <p:ext uri="{BB962C8B-B14F-4D97-AF65-F5344CB8AC3E}">
+        <p14:creationId xmlns:p14="http://schemas.microsoft.com/office/powerpoint/2010/main" val="3899875885"/>
+      </p:ext>
+    </p:extLst>
+  </p:cSld>
+  <p:clrMapOvr>
+    <a:masterClrMapping/>
+  </p:clrMapOvr>
+  <p:timing>
+    <p:tnLst>
+      <p:par>
+        <p:cTn id="1" dur="indefinite" restart="never" nodeType="tmRoot"/>
+      </p:par>
+    </p:tnLst>
+  </p:timing>
+</p:sld>
+</file>
+
+<file path=ppt/slides/slide8.xml><?xml version="1.0" encoding="utf-8"?>
+<p:sld xmlns:a="http://schemas.openxmlformats.org/drawingml/2006/main" xmlns:r="http://schemas.openxmlformats.org/officeDocument/2006/relationships" xmlns:p="http://schemas.openxmlformats.org/presentationml/2006/main">
+  <p:cSld>
+    <p:spTree>
+      <p:nvGrpSpPr>
+        <p:cNvPr id="1" name=""/>
+        <p:cNvGrpSpPr/>
+        <p:nvPr/>
+      </p:nvGrpSpPr>
+      <p:grpSpPr>
+        <a:xfrm>
+          <a:off x="0" y="0"/>
+          <a:ext cx="0" cy="0"/>
+          <a:chOff x="0" y="0"/>
+          <a:chExt cx="0" cy="0"/>
+        </a:xfrm>
+      </p:grpSpPr>
+      <p:sp>
+        <p:nvSpPr>
+          <p:cNvPr id="2" name="Title 1"/>
+          <p:cNvSpPr>
+            <a:spLocks noGrp="1"/>
+          </p:cNvSpPr>
+          <p:nvPr>
+            <p:ph type="title"/>
+          </p:nvPr>
+        </p:nvSpPr>
+        <p:spPr/>
+        <p:txBody>
+          <a:bodyPr/>
+          <a:lstStyle/>
+          <a:p>
+            <a:r>
+              <a:rPr lang="en-GB" dirty="0" smtClean="0"/>
+              <a:t>Static vs Dynamic </a:t>
+            </a:r>
+            <a:r>
+              <a:rPr lang="en-GB" dirty="0" smtClean="0"/>
+              <a:t>Typing Benefits</a:t>
+            </a:r>
+            <a:endParaRPr lang="en-GB" dirty="0"/>
+          </a:p>
+        </p:txBody>
+      </p:sp>
+      <p:graphicFrame>
+        <p:nvGraphicFramePr>
+          <p:cNvPr id="4" name="Table 3"/>
+          <p:cNvGraphicFramePr>
+            <a:graphicFrameLocks noGrp="1"/>
+          </p:cNvGraphicFramePr>
+          <p:nvPr>
+            <p:extLst>
+              <p:ext uri="{D42A27DB-BD31-4B8C-83A1-F6EECF244321}">
+                <p14:modId xmlns:p14="http://schemas.microsoft.com/office/powerpoint/2010/main" val="2084637931"/>
+              </p:ext>
+            </p:extLst>
+          </p:nvPr>
+        </p:nvGraphicFramePr>
+        <p:xfrm>
+          <a:off x="1167023" y="1690688"/>
+          <a:ext cx="10044674" cy="4419252"/>
+        </p:xfrm>
+        <a:graphic>
+          <a:graphicData uri="http://schemas.openxmlformats.org/drawingml/2006/table">
+            <a:tbl>
+              <a:tblPr firstRow="1" bandRow="1">
+                <a:tableStyleId>{5C22544A-7EE6-4342-B048-85BDC9FD1C3A}</a:tableStyleId>
+              </a:tblPr>
+              <a:tblGrid>
+                <a:gridCol w="5022337"/>
+                <a:gridCol w="5022337"/>
+              </a:tblGrid>
+              <a:tr h="715197">
+                <a:tc>
+                  <a:txBody>
+                    <a:bodyPr/>
+                    <a:lstStyle/>
+                    <a:p>
+                      <a:pPr algn="ctr"/>
+                      <a:r>
+                        <a:rPr lang="en-GB" sz="2400" dirty="0" smtClean="0"/>
+                        <a:t>Static</a:t>
+                      </a:r>
+                      <a:endParaRPr lang="en-GB" sz="2400" dirty="0"/>
+                    </a:p>
+                  </a:txBody>
+                  <a:tcPr/>
+                </a:tc>
+                <a:tc>
+                  <a:txBody>
+                    <a:bodyPr/>
+                    <a:lstStyle/>
+                    <a:p>
+                      <a:pPr algn="ctr"/>
+                      <a:r>
+                        <a:rPr lang="en-GB" sz="2400" dirty="0" smtClean="0"/>
+                        <a:t>Dynamic</a:t>
+                      </a:r>
+                      <a:endParaRPr lang="en-GB" sz="2400" dirty="0"/>
+                    </a:p>
+                  </a:txBody>
+                  <a:tcPr/>
+                </a:tc>
+              </a:tr>
+              <a:tr h="843267">
+                <a:tc>
+                  <a:txBody>
+                    <a:bodyPr/>
+                    <a:lstStyle/>
+                    <a:p>
+                      <a:r>
+                        <a:rPr lang="en-GB" sz="2400" dirty="0" smtClean="0"/>
+                        <a:t>Better correctness guarantees</a:t>
+                      </a:r>
+                      <a:endParaRPr lang="en-GB" sz="2400" dirty="0"/>
+                    </a:p>
+                  </a:txBody>
+                  <a:tcPr/>
+                </a:tc>
+                <a:tc>
+                  <a:txBody>
+                    <a:bodyPr/>
+                    <a:lstStyle/>
+                    <a:p>
+                      <a:r>
+                        <a:rPr lang="en-GB" sz="2400" dirty="0" smtClean="0"/>
+                        <a:t>Easier</a:t>
+                      </a:r>
+                      <a:r>
+                        <a:rPr lang="en-GB" sz="2400" baseline="0" dirty="0" smtClean="0"/>
+                        <a:t> to code</a:t>
+                      </a:r>
+                      <a:endParaRPr lang="en-GB" sz="2400" dirty="0"/>
+                    </a:p>
+                  </a:txBody>
+                  <a:tcPr/>
+                </a:tc>
+              </a:tr>
+              <a:tr h="715197">
+                <a:tc>
+                  <a:txBody>
+                    <a:bodyPr/>
+                    <a:lstStyle/>
+                    <a:p>
+                      <a:r>
+                        <a:rPr lang="en-GB" sz="2400" dirty="0" smtClean="0"/>
+                        <a:t>Performance?</a:t>
+                      </a:r>
+                      <a:endParaRPr lang="en-GB" sz="2400" dirty="0"/>
+                    </a:p>
+                  </a:txBody>
+                  <a:tcPr/>
+                </a:tc>
+                <a:tc>
+                  <a:txBody>
+                    <a:bodyPr/>
+                    <a:lstStyle/>
+                    <a:p>
+                      <a:r>
+                        <a:rPr lang="en-GB" sz="2400" dirty="0" smtClean="0"/>
+                        <a:t>More useful errors?</a:t>
+                      </a:r>
+                      <a:endParaRPr lang="en-GB" sz="2400" dirty="0"/>
+                    </a:p>
+                  </a:txBody>
+                  <a:tcPr/>
+                </a:tc>
+              </a:tr>
+              <a:tr h="715197">
+                <a:tc>
+                  <a:txBody>
+                    <a:bodyPr/>
+                    <a:lstStyle/>
+                    <a:p>
+                      <a:r>
+                        <a:rPr lang="en-GB" sz="2400" dirty="0" smtClean="0"/>
+                        <a:t>Less testing needed?</a:t>
+                      </a:r>
+                      <a:endParaRPr lang="en-GB" sz="2400" dirty="0"/>
+                    </a:p>
+                  </a:txBody>
+                  <a:tcPr/>
+                </a:tc>
+                <a:tc>
+                  <a:txBody>
+                    <a:bodyPr/>
+                    <a:lstStyle/>
+                    <a:p>
+                      <a:r>
+                        <a:rPr lang="en-GB" sz="2400" dirty="0" smtClean="0"/>
+                        <a:t>Some problems </a:t>
+                      </a:r>
+                      <a:r>
+                        <a:rPr lang="en-GB" sz="2400" smtClean="0"/>
+                        <a:t>much simpler</a:t>
+                      </a:r>
+                      <a:endParaRPr lang="en-GB" sz="2400"/>
+                    </a:p>
+                  </a:txBody>
+                  <a:tcPr/>
+                </a:tc>
+              </a:tr>
+              <a:tr h="715197">
+                <a:tc>
+                  <a:txBody>
+                    <a:bodyPr/>
+                    <a:lstStyle/>
+                    <a:p>
+                      <a:r>
+                        <a:rPr lang="en-GB" sz="2400" dirty="0" smtClean="0"/>
+                        <a:t>‘Documentation’?</a:t>
+                      </a:r>
+                      <a:endParaRPr lang="en-GB" sz="2400" dirty="0"/>
+                    </a:p>
+                  </a:txBody>
+                  <a:tcPr/>
+                </a:tc>
+                <a:tc>
+                  <a:txBody>
+                    <a:bodyPr/>
+                    <a:lstStyle/>
+                    <a:p>
+                      <a:endParaRPr lang="en-GB" sz="2400"/>
+                    </a:p>
+                  </a:txBody>
+                  <a:tcPr/>
+                </a:tc>
+              </a:tr>
+              <a:tr h="715197">
+                <a:tc>
+                  <a:txBody>
+                    <a:bodyPr/>
+                    <a:lstStyle/>
+                    <a:p>
+                      <a:endParaRPr lang="en-GB" sz="2400" dirty="0"/>
+                    </a:p>
+                  </a:txBody>
+                  <a:tcPr/>
+                </a:tc>
+                <a:tc>
+                  <a:txBody>
+                    <a:bodyPr/>
+                    <a:lstStyle/>
+                    <a:p>
+                      <a:endParaRPr lang="en-GB" sz="2400" dirty="0"/>
+                    </a:p>
+                  </a:txBody>
+                  <a:tcPr/>
+                </a:tc>
+              </a:tr>
+            </a:tbl>
+          </a:graphicData>
+        </a:graphic>
+      </p:graphicFrame>
+    </p:spTree>
+    <p:extLst>
+      <p:ext uri="{BB962C8B-B14F-4D97-AF65-F5344CB8AC3E}">
+        <p14:creationId xmlns:p14="http://schemas.microsoft.com/office/powerpoint/2010/main" val="2293335556"/>
+      </p:ext>
+    </p:extLst>
+  </p:cSld>
+  <p:clrMapOvr>
+    <a:masterClrMapping/>
+  </p:clrMapOvr>
+  <p:timing>
+    <p:tnLst>
+      <p:par>
+        <p:cTn id="1" dur="indefinite" restart="never" nodeType="tmRoot"/>
+      </p:par>
+    </p:tnLst>
+  </p:timing>
+</p:sld>
+</file>
+
 <file path=ppt/slides/slide9.xml><?xml version="1.0" encoding="utf-8"?>
 <p:sld xmlns:a="http://schemas.openxmlformats.org/drawingml/2006/main" xmlns:r="http://schemas.openxmlformats.org/officeDocument/2006/relationships" xmlns:p="http://schemas.openxmlformats.org/presentationml/2006/main">
   <p:cSld>
@@ -4887,139 +6144,40 @@
           <a:chExt cx="0" cy="0"/>
         </a:xfrm>
       </p:grpSpPr>
-      <p:sp>
-        <p:nvSpPr>
-          <p:cNvPr id="2" name="Title 1"/>
-          <p:cNvSpPr>
-            <a:spLocks noGrp="1"/>
-          </p:cNvSpPr>
-          <p:nvPr>
-            <p:ph type="title"/>
-          </p:nvPr>
-        </p:nvSpPr>
-        <p:spPr/>
-        <p:txBody>
-          <a:bodyPr/>
-          <a:lstStyle/>
-          <a:p>
-            <a:r>
-              <a:rPr lang="en-GB" dirty="0" smtClean="0"/>
-              <a:t>The Problem: Bowling</a:t>
-            </a:r>
-            <a:endParaRPr lang="en-GB" dirty="0"/>
-          </a:p>
-        </p:txBody>
-      </p:sp>
-      <p:sp>
-        <p:nvSpPr>
-          <p:cNvPr id="3" name="Content Placeholder 2"/>
-          <p:cNvSpPr>
-            <a:spLocks noGrp="1"/>
-          </p:cNvSpPr>
-          <p:nvPr>
-            <p:ph idx="1"/>
-          </p:nvPr>
-        </p:nvSpPr>
-        <p:spPr/>
-        <p:txBody>
-          <a:bodyPr>
-            <a:normAutofit fontScale="92500" lnSpcReduction="20000"/>
-          </a:bodyPr>
-          <a:lstStyle/>
-          <a:p>
-            <a:pPr marL="0" indent="0">
-              <a:buNone/>
-            </a:pPr>
-            <a:r>
-              <a:rPr lang="en-GB" sz="3500" b="1" dirty="0" smtClean="0"/>
-              <a:t>10-Pin Bowling Scorer</a:t>
-            </a:r>
-          </a:p>
-          <a:p>
-            <a:pPr marL="0" indent="0">
-              <a:buNone/>
-            </a:pPr>
-            <a:endParaRPr lang="en-GB" dirty="0" smtClean="0"/>
-          </a:p>
-          <a:p>
-            <a:r>
-              <a:rPr lang="en-GB" dirty="0" smtClean="0"/>
-              <a:t>10 pins to knock down, worth one point each</a:t>
-            </a:r>
-          </a:p>
-          <a:p>
-            <a:r>
-              <a:rPr lang="en-GB" dirty="0" smtClean="0"/>
-              <a:t>10 frames, each consisting of up to two attempts</a:t>
-            </a:r>
-          </a:p>
-          <a:p>
-            <a:r>
-              <a:rPr lang="en-GB" dirty="0" smtClean="0"/>
-              <a:t>‘Strike’ – all 10 pins down on first attempt</a:t>
-            </a:r>
-          </a:p>
-          <a:p>
-            <a:pPr lvl="1"/>
-            <a:r>
-              <a:rPr lang="en-GB" dirty="0" smtClean="0"/>
-              <a:t>No second attempt</a:t>
-            </a:r>
-          </a:p>
-          <a:p>
-            <a:pPr lvl="1"/>
-            <a:r>
-              <a:rPr lang="en-GB" dirty="0" smtClean="0"/>
-              <a:t>Score for this frame is 10 + pins from next two balls</a:t>
-            </a:r>
-          </a:p>
-          <a:p>
-            <a:r>
-              <a:rPr lang="en-GB" dirty="0" smtClean="0"/>
-              <a:t>‘Spare’ – all 10 pins knocked down on second attempt</a:t>
-            </a:r>
-          </a:p>
-          <a:p>
-            <a:pPr lvl="1"/>
-            <a:r>
-              <a:rPr lang="en-GB" dirty="0" smtClean="0"/>
-              <a:t>Score for this frame is 10 + pins from next ball</a:t>
-            </a:r>
-          </a:p>
-          <a:p>
-            <a:r>
-              <a:rPr lang="en-GB" dirty="0" smtClean="0"/>
-              <a:t>If you get a Strike or Spare on the last frame, you get an additional 1 or 2 balls</a:t>
-            </a:r>
-          </a:p>
-          <a:p>
-            <a:pPr lvl="1"/>
-            <a:r>
-              <a:rPr lang="en-GB" dirty="0" smtClean="0"/>
-              <a:t>See handouts for end game cases</a:t>
-            </a:r>
-          </a:p>
-          <a:p>
-            <a:endParaRPr lang="en-GB" dirty="0"/>
-          </a:p>
-          <a:p>
-            <a:pPr marL="0" indent="0">
-              <a:buNone/>
-            </a:pPr>
-            <a:endParaRPr lang="en-GB" dirty="0" smtClean="0"/>
-          </a:p>
-          <a:p>
-            <a:pPr marL="0" indent="0">
-              <a:buNone/>
-            </a:pPr>
-            <a:endParaRPr lang="en-GB" dirty="0"/>
-          </a:p>
-        </p:txBody>
-      </p:sp>
+      <p:pic>
+        <p:nvPicPr>
+          <p:cNvPr id="6" name="Picture 5"/>
+          <p:cNvPicPr>
+            <a:picLocks noChangeAspect="1"/>
+          </p:cNvPicPr>
+          <p:nvPr/>
+        </p:nvPicPr>
+        <p:blipFill>
+          <a:blip r:embed="rId2">
+            <a:extLst>
+              <a:ext uri="{28A0092B-C50C-407E-A947-70E740481C1C}">
+                <a14:useLocalDpi xmlns:a14="http://schemas.microsoft.com/office/drawing/2010/main" val="0"/>
+              </a:ext>
+            </a:extLst>
+          </a:blip>
+          <a:stretch>
+            <a:fillRect/>
+          </a:stretch>
+        </p:blipFill>
+        <p:spPr>
+          <a:xfrm>
+            <a:off x="-1" y="393192"/>
+            <a:ext cx="12192001" cy="6071616"/>
+          </a:xfrm>
+          <a:prstGeom prst="rect">
+            <a:avLst/>
+          </a:prstGeom>
+        </p:spPr>
+      </p:pic>
     </p:spTree>
     <p:extLst>
       <p:ext uri="{BB962C8B-B14F-4D97-AF65-F5344CB8AC3E}">
-        <p14:creationId xmlns:p14="http://schemas.microsoft.com/office/powerpoint/2010/main" val="3171649567"/>
+        <p14:creationId xmlns:p14="http://schemas.microsoft.com/office/powerpoint/2010/main" val="2121133346"/>
       </p:ext>
     </p:extLst>
   </p:cSld>

--- a/StaticVsDynamic.pptx
+++ b/StaticVsDynamic.pptx
@@ -4199,8 +4199,19 @@
           <a:p>
             <a:r>
               <a:rPr lang="en-GB" dirty="0" smtClean="0"/>
-              <a:t>Swap with a pair in the other group</a:t>
-            </a:r>
+              <a:t>One team member stay where you are</a:t>
+            </a:r>
+          </a:p>
+          <a:p>
+            <a:r>
+              <a:rPr lang="en-GB" dirty="0" smtClean="0"/>
+              <a:t>The others go to mark a team on the </a:t>
+            </a:r>
+            <a:r>
+              <a:rPr lang="en-GB" smtClean="0"/>
+              <a:t>next table</a:t>
+            </a:r>
+            <a:endParaRPr lang="en-GB" dirty="0" smtClean="0"/>
           </a:p>
           <a:p>
             <a:r>
@@ -4211,20 +4222,11 @@
           <a:p>
             <a:r>
               <a:rPr lang="en-GB" dirty="0" smtClean="0"/>
-              <a:t>Deduct a mark for each case of a broken rule</a:t>
-            </a:r>
-          </a:p>
-          <a:p>
-            <a:pPr lvl="1"/>
-            <a:r>
-              <a:rPr lang="en-GB" dirty="0" smtClean="0"/>
-              <a:t>Any uncertainly, ask a Judge</a:t>
-            </a:r>
-          </a:p>
-          <a:p>
-            <a:r>
-              <a:rPr lang="en-GB" dirty="0" smtClean="0"/>
-              <a:t>Scores will be aggregated</a:t>
+              <a:t>Scores </a:t>
+            </a:r>
+            <a:r>
+              <a:rPr lang="en-GB" dirty="0" smtClean="0"/>
+              <a:t>will be aggregated</a:t>
             </a:r>
           </a:p>
           <a:p>
@@ -6043,13 +6045,9 @@
                     <a:p>
                       <a:r>
                         <a:rPr lang="en-GB" sz="2400" dirty="0" smtClean="0"/>
-                        <a:t>Some problems </a:t>
+                        <a:t>Some problems much simpler</a:t>
                       </a:r>
-                      <a:r>
-                        <a:rPr lang="en-GB" sz="2400" smtClean="0"/>
-                        <a:t>much simpler</a:t>
-                      </a:r>
-                      <a:endParaRPr lang="en-GB" sz="2400"/>
+                      <a:endParaRPr lang="en-GB" sz="2400" dirty="0"/>
                     </a:p>
                   </a:txBody>
                   <a:tcPr/>
